--- a/_doc/django_python.pptx
+++ b/_doc/django_python.pptx
@@ -18,6 +18,7 @@
     <p:sldId id="266" r:id="rId12"/>
     <p:sldId id="268" r:id="rId13"/>
     <p:sldId id="267" r:id="rId14"/>
+    <p:sldId id="269" r:id="rId15"/>
   </p:sldIdLst>
   <p:sldSz cx="12192000" cy="6858000"/>
   <p:notesSz cx="6858000" cy="9144000"/>
@@ -255,7 +256,7 @@
           <a:p>
             <a:fld id="{16D6C780-5612-456C-875F-EAF099912A32}" type="datetimeFigureOut">
               <a:rPr lang="ko-KR" altLang="en-US" smtClean="0"/>
-              <a:t>2016-08-13</a:t>
+              <a:t>2016-08-14</a:t>
             </a:fld>
             <a:endParaRPr lang="ko-KR" altLang="en-US"/>
           </a:p>
@@ -425,7 +426,7 @@
           <a:p>
             <a:fld id="{16D6C780-5612-456C-875F-EAF099912A32}" type="datetimeFigureOut">
               <a:rPr lang="ko-KR" altLang="en-US" smtClean="0"/>
-              <a:t>2016-08-13</a:t>
+              <a:t>2016-08-14</a:t>
             </a:fld>
             <a:endParaRPr lang="ko-KR" altLang="en-US"/>
           </a:p>
@@ -605,7 +606,7 @@
           <a:p>
             <a:fld id="{16D6C780-5612-456C-875F-EAF099912A32}" type="datetimeFigureOut">
               <a:rPr lang="ko-KR" altLang="en-US" smtClean="0"/>
-              <a:t>2016-08-13</a:t>
+              <a:t>2016-08-14</a:t>
             </a:fld>
             <a:endParaRPr lang="ko-KR" altLang="en-US"/>
           </a:p>
@@ -775,7 +776,7 @@
           <a:p>
             <a:fld id="{16D6C780-5612-456C-875F-EAF099912A32}" type="datetimeFigureOut">
               <a:rPr lang="ko-KR" altLang="en-US" smtClean="0"/>
-              <a:t>2016-08-13</a:t>
+              <a:t>2016-08-14</a:t>
             </a:fld>
             <a:endParaRPr lang="ko-KR" altLang="en-US"/>
           </a:p>
@@ -1021,7 +1022,7 @@
           <a:p>
             <a:fld id="{16D6C780-5612-456C-875F-EAF099912A32}" type="datetimeFigureOut">
               <a:rPr lang="ko-KR" altLang="en-US" smtClean="0"/>
-              <a:t>2016-08-13</a:t>
+              <a:t>2016-08-14</a:t>
             </a:fld>
             <a:endParaRPr lang="ko-KR" altLang="en-US"/>
           </a:p>
@@ -1253,7 +1254,7 @@
           <a:p>
             <a:fld id="{16D6C780-5612-456C-875F-EAF099912A32}" type="datetimeFigureOut">
               <a:rPr lang="ko-KR" altLang="en-US" smtClean="0"/>
-              <a:t>2016-08-13</a:t>
+              <a:t>2016-08-14</a:t>
             </a:fld>
             <a:endParaRPr lang="ko-KR" altLang="en-US"/>
           </a:p>
@@ -1620,7 +1621,7 @@
           <a:p>
             <a:fld id="{16D6C780-5612-456C-875F-EAF099912A32}" type="datetimeFigureOut">
               <a:rPr lang="ko-KR" altLang="en-US" smtClean="0"/>
-              <a:t>2016-08-13</a:t>
+              <a:t>2016-08-14</a:t>
             </a:fld>
             <a:endParaRPr lang="ko-KR" altLang="en-US"/>
           </a:p>
@@ -1738,7 +1739,7 @@
           <a:p>
             <a:fld id="{16D6C780-5612-456C-875F-EAF099912A32}" type="datetimeFigureOut">
               <a:rPr lang="ko-KR" altLang="en-US" smtClean="0"/>
-              <a:t>2016-08-13</a:t>
+              <a:t>2016-08-14</a:t>
             </a:fld>
             <a:endParaRPr lang="ko-KR" altLang="en-US"/>
           </a:p>
@@ -1833,7 +1834,7 @@
           <a:p>
             <a:fld id="{16D6C780-5612-456C-875F-EAF099912A32}" type="datetimeFigureOut">
               <a:rPr lang="ko-KR" altLang="en-US" smtClean="0"/>
-              <a:t>2016-08-13</a:t>
+              <a:t>2016-08-14</a:t>
             </a:fld>
             <a:endParaRPr lang="ko-KR" altLang="en-US"/>
           </a:p>
@@ -2110,7 +2111,7 @@
           <a:p>
             <a:fld id="{16D6C780-5612-456C-875F-EAF099912A32}" type="datetimeFigureOut">
               <a:rPr lang="ko-KR" altLang="en-US" smtClean="0"/>
-              <a:t>2016-08-13</a:t>
+              <a:t>2016-08-14</a:t>
             </a:fld>
             <a:endParaRPr lang="ko-KR" altLang="en-US"/>
           </a:p>
@@ -2363,7 +2364,7 @@
           <a:p>
             <a:fld id="{16D6C780-5612-456C-875F-EAF099912A32}" type="datetimeFigureOut">
               <a:rPr lang="ko-KR" altLang="en-US" smtClean="0"/>
-              <a:t>2016-08-13</a:t>
+              <a:t>2016-08-14</a:t>
             </a:fld>
             <a:endParaRPr lang="ko-KR" altLang="en-US"/>
           </a:p>
@@ -2576,7 +2577,7 @@
           <a:p>
             <a:fld id="{16D6C780-5612-456C-875F-EAF099912A32}" type="datetimeFigureOut">
               <a:rPr lang="ko-KR" altLang="en-US" smtClean="0"/>
-              <a:t>2016-08-13</a:t>
+              <a:t>2016-08-14</a:t>
             </a:fld>
             <a:endParaRPr lang="ko-KR" altLang="en-US"/>
           </a:p>
@@ -5437,6 +5438,1105 @@
 </p:sld>
 </file>
 
+<file path=ppt/slides/slide14.xml><?xml version="1.0" encoding="utf-8"?>
+<p:sld xmlns:a="http://schemas.openxmlformats.org/drawingml/2006/main" xmlns:r="http://schemas.openxmlformats.org/officeDocument/2006/relationships" xmlns:p="http://schemas.openxmlformats.org/presentationml/2006/main">
+  <p:cSld>
+    <p:spTree>
+      <p:nvGrpSpPr>
+        <p:cNvPr id="1" name=""/>
+        <p:cNvGrpSpPr/>
+        <p:nvPr/>
+      </p:nvGrpSpPr>
+      <p:grpSpPr>
+        <a:xfrm>
+          <a:off x="0" y="0"/>
+          <a:ext cx="0" cy="0"/>
+          <a:chOff x="0" y="0"/>
+          <a:chExt cx="0" cy="0"/>
+        </a:xfrm>
+      </p:grpSpPr>
+      <p:sp>
+        <p:nvSpPr>
+          <p:cNvPr id="4" name="직사각형 3"/>
+          <p:cNvSpPr/>
+          <p:nvPr/>
+        </p:nvSpPr>
+        <p:spPr>
+          <a:xfrm>
+            <a:off x="765924" y="409137"/>
+            <a:ext cx="1086314" cy="318996"/>
+          </a:xfrm>
+          <a:prstGeom prst="rect">
+            <a:avLst/>
+          </a:prstGeom>
+          <a:solidFill>
+            <a:schemeClr val="tx1">
+              <a:lumMod val="85000"/>
+              <a:lumOff val="15000"/>
+            </a:schemeClr>
+          </a:solidFill>
+          <a:ln>
+            <a:noFill/>
+          </a:ln>
+        </p:spPr>
+        <p:style>
+          <a:lnRef idx="2">
+            <a:schemeClr val="accent1">
+              <a:shade val="50000"/>
+            </a:schemeClr>
+          </a:lnRef>
+          <a:fillRef idx="1">
+            <a:schemeClr val="accent1"/>
+          </a:fillRef>
+          <a:effectRef idx="0">
+            <a:schemeClr val="accent1"/>
+          </a:effectRef>
+          <a:fontRef idx="minor">
+            <a:schemeClr val="lt1"/>
+          </a:fontRef>
+        </p:style>
+        <p:txBody>
+          <a:bodyPr lIns="0" tIns="0" rIns="0" bIns="0" rtlCol="0" anchor="ctr"/>
+          <a:lstStyle/>
+          <a:p>
+            <a:pPr algn="ctr"/>
+            <a:r>
+              <a:rPr lang="en-US" altLang="ko-KR" sz="1300" dirty="0" smtClean="0">
+                <a:latin typeface="Consolas" panose="020B0609020204030204" pitchFamily="49" charset="0"/>
+                <a:cs typeface="Consolas" panose="020B0609020204030204" pitchFamily="49" charset="0"/>
+              </a:rPr>
+              <a:t>About</a:t>
+            </a:r>
+            <a:endParaRPr lang="ko-KR" altLang="en-US" sz="1300" dirty="0">
+              <a:latin typeface="Consolas" panose="020B0609020204030204" pitchFamily="49" charset="0"/>
+              <a:cs typeface="Consolas" panose="020B0609020204030204" pitchFamily="49" charset="0"/>
+            </a:endParaRPr>
+          </a:p>
+        </p:txBody>
+      </p:sp>
+      <p:sp>
+        <p:nvSpPr>
+          <p:cNvPr id="5" name="직사각형 4"/>
+          <p:cNvSpPr/>
+          <p:nvPr/>
+        </p:nvSpPr>
+        <p:spPr>
+          <a:xfrm>
+            <a:off x="765924" y="891737"/>
+            <a:ext cx="1086314" cy="318996"/>
+          </a:xfrm>
+          <a:prstGeom prst="rect">
+            <a:avLst/>
+          </a:prstGeom>
+          <a:solidFill>
+            <a:schemeClr val="tx1">
+              <a:lumMod val="85000"/>
+              <a:lumOff val="15000"/>
+            </a:schemeClr>
+          </a:solidFill>
+          <a:ln>
+            <a:noFill/>
+          </a:ln>
+        </p:spPr>
+        <p:style>
+          <a:lnRef idx="2">
+            <a:schemeClr val="accent1">
+              <a:shade val="50000"/>
+            </a:schemeClr>
+          </a:lnRef>
+          <a:fillRef idx="1">
+            <a:schemeClr val="accent1"/>
+          </a:fillRef>
+          <a:effectRef idx="0">
+            <a:schemeClr val="accent1"/>
+          </a:effectRef>
+          <a:fontRef idx="minor">
+            <a:schemeClr val="lt1"/>
+          </a:fontRef>
+        </p:style>
+        <p:txBody>
+          <a:bodyPr lIns="0" tIns="0" rIns="0" bIns="0" rtlCol="0" anchor="ctr"/>
+          <a:lstStyle/>
+          <a:p>
+            <a:pPr algn="ctr"/>
+            <a:r>
+              <a:rPr lang="en-US" altLang="ko-KR" sz="1300" dirty="0" smtClean="0">
+                <a:latin typeface="Consolas" panose="020B0609020204030204" pitchFamily="49" charset="0"/>
+                <a:cs typeface="Consolas" panose="020B0609020204030204" pitchFamily="49" charset="0"/>
+              </a:rPr>
+              <a:t>Service</a:t>
+            </a:r>
+            <a:endParaRPr lang="ko-KR" altLang="en-US" sz="1300" dirty="0">
+              <a:latin typeface="Consolas" panose="020B0609020204030204" pitchFamily="49" charset="0"/>
+              <a:cs typeface="Consolas" panose="020B0609020204030204" pitchFamily="49" charset="0"/>
+            </a:endParaRPr>
+          </a:p>
+        </p:txBody>
+      </p:sp>
+      <p:sp>
+        <p:nvSpPr>
+          <p:cNvPr id="6" name="직사각형 5"/>
+          <p:cNvSpPr/>
+          <p:nvPr/>
+        </p:nvSpPr>
+        <p:spPr>
+          <a:xfrm>
+            <a:off x="765924" y="4032871"/>
+            <a:ext cx="1525964" cy="318996"/>
+          </a:xfrm>
+          <a:prstGeom prst="rect">
+            <a:avLst/>
+          </a:prstGeom>
+          <a:solidFill>
+            <a:schemeClr val="tx1">
+              <a:lumMod val="85000"/>
+              <a:lumOff val="15000"/>
+            </a:schemeClr>
+          </a:solidFill>
+          <a:ln>
+            <a:noFill/>
+          </a:ln>
+        </p:spPr>
+        <p:style>
+          <a:lnRef idx="2">
+            <a:schemeClr val="accent1">
+              <a:shade val="50000"/>
+            </a:schemeClr>
+          </a:lnRef>
+          <a:fillRef idx="1">
+            <a:schemeClr val="accent1"/>
+          </a:fillRef>
+          <a:effectRef idx="0">
+            <a:schemeClr val="accent1"/>
+          </a:effectRef>
+          <a:fontRef idx="minor">
+            <a:schemeClr val="lt1"/>
+          </a:fontRef>
+        </p:style>
+        <p:txBody>
+          <a:bodyPr lIns="0" tIns="0" rIns="0" bIns="0" rtlCol="0" anchor="ctr"/>
+          <a:lstStyle/>
+          <a:p>
+            <a:pPr algn="ctr"/>
+            <a:r>
+              <a:rPr lang="en-US" altLang="ko-KR" sz="1300" dirty="0" smtClean="0">
+                <a:latin typeface="Consolas" panose="020B0609020204030204" pitchFamily="49" charset="0"/>
+                <a:cs typeface="Consolas" panose="020B0609020204030204" pitchFamily="49" charset="0"/>
+              </a:rPr>
+              <a:t>Contact Us</a:t>
+            </a:r>
+            <a:endParaRPr lang="ko-KR" altLang="en-US" sz="1300" dirty="0">
+              <a:latin typeface="Consolas" panose="020B0609020204030204" pitchFamily="49" charset="0"/>
+              <a:cs typeface="Consolas" panose="020B0609020204030204" pitchFamily="49" charset="0"/>
+            </a:endParaRPr>
+          </a:p>
+        </p:txBody>
+      </p:sp>
+      <p:sp>
+        <p:nvSpPr>
+          <p:cNvPr id="7" name="직사각형 6"/>
+          <p:cNvSpPr/>
+          <p:nvPr/>
+        </p:nvSpPr>
+        <p:spPr>
+          <a:xfrm>
+            <a:off x="1121524" y="1322041"/>
+            <a:ext cx="1086314" cy="318996"/>
+          </a:xfrm>
+          <a:prstGeom prst="rect">
+            <a:avLst/>
+          </a:prstGeom>
+          <a:solidFill>
+            <a:schemeClr val="tx1">
+              <a:lumMod val="85000"/>
+              <a:lumOff val="15000"/>
+            </a:schemeClr>
+          </a:solidFill>
+          <a:ln>
+            <a:noFill/>
+          </a:ln>
+        </p:spPr>
+        <p:style>
+          <a:lnRef idx="2">
+            <a:schemeClr val="accent1">
+              <a:shade val="50000"/>
+            </a:schemeClr>
+          </a:lnRef>
+          <a:fillRef idx="1">
+            <a:schemeClr val="accent1"/>
+          </a:fillRef>
+          <a:effectRef idx="0">
+            <a:schemeClr val="accent1"/>
+          </a:effectRef>
+          <a:fontRef idx="minor">
+            <a:schemeClr val="lt1"/>
+          </a:fontRef>
+        </p:style>
+        <p:txBody>
+          <a:bodyPr lIns="0" tIns="0" rIns="0" bIns="0" rtlCol="0" anchor="ctr"/>
+          <a:lstStyle/>
+          <a:p>
+            <a:pPr algn="ctr"/>
+            <a:r>
+              <a:rPr lang="en-US" altLang="ko-KR" sz="1300" dirty="0" smtClean="0">
+                <a:latin typeface="Consolas" panose="020B0609020204030204" pitchFamily="49" charset="0"/>
+                <a:cs typeface="Consolas" panose="020B0609020204030204" pitchFamily="49" charset="0"/>
+              </a:rPr>
+              <a:t>incoming/</a:t>
+            </a:r>
+            <a:endParaRPr lang="ko-KR" altLang="en-US" sz="1300" dirty="0">
+              <a:latin typeface="Consolas" panose="020B0609020204030204" pitchFamily="49" charset="0"/>
+              <a:cs typeface="Consolas" panose="020B0609020204030204" pitchFamily="49" charset="0"/>
+            </a:endParaRPr>
+          </a:p>
+        </p:txBody>
+      </p:sp>
+      <p:sp>
+        <p:nvSpPr>
+          <p:cNvPr id="8" name="직사각형 7"/>
+          <p:cNvSpPr/>
+          <p:nvPr/>
+        </p:nvSpPr>
+        <p:spPr>
+          <a:xfrm>
+            <a:off x="1121524" y="1691089"/>
+            <a:ext cx="1086314" cy="318996"/>
+          </a:xfrm>
+          <a:prstGeom prst="rect">
+            <a:avLst/>
+          </a:prstGeom>
+          <a:solidFill>
+            <a:schemeClr val="tx1">
+              <a:lumMod val="85000"/>
+              <a:lumOff val="15000"/>
+            </a:schemeClr>
+          </a:solidFill>
+          <a:ln>
+            <a:noFill/>
+          </a:ln>
+        </p:spPr>
+        <p:style>
+          <a:lnRef idx="2">
+            <a:schemeClr val="accent1">
+              <a:shade val="50000"/>
+            </a:schemeClr>
+          </a:lnRef>
+          <a:fillRef idx="1">
+            <a:schemeClr val="accent1"/>
+          </a:fillRef>
+          <a:effectRef idx="0">
+            <a:schemeClr val="accent1"/>
+          </a:effectRef>
+          <a:fontRef idx="minor">
+            <a:schemeClr val="lt1"/>
+          </a:fontRef>
+        </p:style>
+        <p:txBody>
+          <a:bodyPr lIns="0" tIns="0" rIns="0" bIns="0" rtlCol="0" anchor="ctr"/>
+          <a:lstStyle/>
+          <a:p>
+            <a:pPr algn="ctr"/>
+            <a:r>
+              <a:rPr lang="en-US" altLang="ko-KR" sz="1300" dirty="0">
+                <a:latin typeface="Consolas" panose="020B0609020204030204" pitchFamily="49" charset="0"/>
+                <a:cs typeface="Consolas" panose="020B0609020204030204" pitchFamily="49" charset="0"/>
+              </a:rPr>
+              <a:t>incoming/p</a:t>
+            </a:r>
+            <a:endParaRPr lang="ko-KR" altLang="en-US" sz="1300" dirty="0">
+              <a:latin typeface="Consolas" panose="020B0609020204030204" pitchFamily="49" charset="0"/>
+              <a:cs typeface="Consolas" panose="020B0609020204030204" pitchFamily="49" charset="0"/>
+            </a:endParaRPr>
+          </a:p>
+        </p:txBody>
+      </p:sp>
+      <p:sp>
+        <p:nvSpPr>
+          <p:cNvPr id="9" name="직사각형 8"/>
+          <p:cNvSpPr/>
+          <p:nvPr/>
+        </p:nvSpPr>
+        <p:spPr>
+          <a:xfrm>
+            <a:off x="1121524" y="2060137"/>
+            <a:ext cx="1086314" cy="318996"/>
+          </a:xfrm>
+          <a:prstGeom prst="rect">
+            <a:avLst/>
+          </a:prstGeom>
+          <a:solidFill>
+            <a:schemeClr val="tx1">
+              <a:lumMod val="85000"/>
+              <a:lumOff val="15000"/>
+            </a:schemeClr>
+          </a:solidFill>
+          <a:ln>
+            <a:noFill/>
+          </a:ln>
+        </p:spPr>
+        <p:style>
+          <a:lnRef idx="2">
+            <a:schemeClr val="accent1">
+              <a:shade val="50000"/>
+            </a:schemeClr>
+          </a:lnRef>
+          <a:fillRef idx="1">
+            <a:schemeClr val="accent1"/>
+          </a:fillRef>
+          <a:effectRef idx="0">
+            <a:schemeClr val="accent1"/>
+          </a:effectRef>
+          <a:fontRef idx="minor">
+            <a:schemeClr val="lt1"/>
+          </a:fontRef>
+        </p:style>
+        <p:txBody>
+          <a:bodyPr lIns="0" tIns="0" rIns="0" bIns="0" rtlCol="0" anchor="ctr"/>
+          <a:lstStyle/>
+          <a:p>
+            <a:pPr algn="ctr"/>
+            <a:r>
+              <a:rPr lang="en-US" altLang="ko-KR" sz="1300" dirty="0">
+                <a:latin typeface="Consolas" panose="020B0609020204030204" pitchFamily="49" charset="0"/>
+                <a:cs typeface="Consolas" panose="020B0609020204030204" pitchFamily="49" charset="0"/>
+              </a:rPr>
+              <a:t>incoming/c</a:t>
+            </a:r>
+            <a:endParaRPr lang="ko-KR" altLang="en-US" sz="1300" dirty="0">
+              <a:latin typeface="Consolas" panose="020B0609020204030204" pitchFamily="49" charset="0"/>
+              <a:cs typeface="Consolas" panose="020B0609020204030204" pitchFamily="49" charset="0"/>
+            </a:endParaRPr>
+          </a:p>
+        </p:txBody>
+      </p:sp>
+      <p:sp>
+        <p:nvSpPr>
+          <p:cNvPr id="10" name="직사각형 9"/>
+          <p:cNvSpPr/>
+          <p:nvPr/>
+        </p:nvSpPr>
+        <p:spPr>
+          <a:xfrm>
+            <a:off x="1121524" y="2429185"/>
+            <a:ext cx="1086314" cy="318996"/>
+          </a:xfrm>
+          <a:prstGeom prst="rect">
+            <a:avLst/>
+          </a:prstGeom>
+          <a:solidFill>
+            <a:schemeClr val="tx1">
+              <a:lumMod val="85000"/>
+              <a:lumOff val="15000"/>
+            </a:schemeClr>
+          </a:solidFill>
+          <a:ln>
+            <a:noFill/>
+          </a:ln>
+        </p:spPr>
+        <p:style>
+          <a:lnRef idx="2">
+            <a:schemeClr val="accent1">
+              <a:shade val="50000"/>
+            </a:schemeClr>
+          </a:lnRef>
+          <a:fillRef idx="1">
+            <a:schemeClr val="accent1"/>
+          </a:fillRef>
+          <a:effectRef idx="0">
+            <a:schemeClr val="accent1"/>
+          </a:effectRef>
+          <a:fontRef idx="minor">
+            <a:schemeClr val="lt1"/>
+          </a:fontRef>
+        </p:style>
+        <p:txBody>
+          <a:bodyPr lIns="0" tIns="0" rIns="0" bIns="0" rtlCol="0" anchor="ctr"/>
+          <a:lstStyle/>
+          <a:p>
+            <a:pPr algn="ctr"/>
+            <a:r>
+              <a:rPr lang="en-US" altLang="ko-KR" sz="1300" dirty="0">
+                <a:latin typeface="Consolas" panose="020B0609020204030204" pitchFamily="49" charset="0"/>
+                <a:cs typeface="Consolas" panose="020B0609020204030204" pitchFamily="49" charset="0"/>
+              </a:rPr>
+              <a:t>incoming/z</a:t>
+            </a:r>
+            <a:endParaRPr lang="ko-KR" altLang="en-US" sz="1300" dirty="0">
+              <a:latin typeface="Consolas" panose="020B0609020204030204" pitchFamily="49" charset="0"/>
+              <a:cs typeface="Consolas" panose="020B0609020204030204" pitchFamily="49" charset="0"/>
+            </a:endParaRPr>
+          </a:p>
+        </p:txBody>
+      </p:sp>
+      <p:sp>
+        <p:nvSpPr>
+          <p:cNvPr id="11" name="직사각형 10"/>
+          <p:cNvSpPr/>
+          <p:nvPr/>
+        </p:nvSpPr>
+        <p:spPr>
+          <a:xfrm>
+            <a:off x="1121524" y="2801591"/>
+            <a:ext cx="1086314" cy="318996"/>
+          </a:xfrm>
+          <a:prstGeom prst="rect">
+            <a:avLst/>
+          </a:prstGeom>
+          <a:solidFill>
+            <a:schemeClr val="tx1">
+              <a:lumMod val="85000"/>
+              <a:lumOff val="15000"/>
+            </a:schemeClr>
+          </a:solidFill>
+          <a:ln>
+            <a:noFill/>
+          </a:ln>
+        </p:spPr>
+        <p:style>
+          <a:lnRef idx="2">
+            <a:schemeClr val="accent1">
+              <a:shade val="50000"/>
+            </a:schemeClr>
+          </a:lnRef>
+          <a:fillRef idx="1">
+            <a:schemeClr val="accent1"/>
+          </a:fillRef>
+          <a:effectRef idx="0">
+            <a:schemeClr val="accent1"/>
+          </a:effectRef>
+          <a:fontRef idx="minor">
+            <a:schemeClr val="lt1"/>
+          </a:fontRef>
+        </p:style>
+        <p:txBody>
+          <a:bodyPr lIns="0" tIns="0" rIns="0" bIns="0" rtlCol="0" anchor="ctr"/>
+          <a:lstStyle/>
+          <a:p>
+            <a:pPr algn="ctr"/>
+            <a:r>
+              <a:rPr lang="en-US" altLang="ko-KR" sz="1300" dirty="0">
+                <a:latin typeface="Consolas" panose="020B0609020204030204" pitchFamily="49" charset="0"/>
+                <a:cs typeface="Consolas" panose="020B0609020204030204" pitchFamily="49" charset="0"/>
+              </a:rPr>
+              <a:t>incoming/m</a:t>
+            </a:r>
+            <a:endParaRPr lang="ko-KR" altLang="en-US" sz="1300" dirty="0">
+              <a:latin typeface="Consolas" panose="020B0609020204030204" pitchFamily="49" charset="0"/>
+              <a:cs typeface="Consolas" panose="020B0609020204030204" pitchFamily="49" charset="0"/>
+            </a:endParaRPr>
+          </a:p>
+        </p:txBody>
+      </p:sp>
+      <p:sp>
+        <p:nvSpPr>
+          <p:cNvPr id="16" name="직사각형 15"/>
+          <p:cNvSpPr/>
+          <p:nvPr/>
+        </p:nvSpPr>
+        <p:spPr>
+          <a:xfrm>
+            <a:off x="2552391" y="1318683"/>
+            <a:ext cx="1086314" cy="318996"/>
+          </a:xfrm>
+          <a:prstGeom prst="rect">
+            <a:avLst/>
+          </a:prstGeom>
+          <a:solidFill>
+            <a:schemeClr val="tx1">
+              <a:lumMod val="85000"/>
+              <a:lumOff val="15000"/>
+            </a:schemeClr>
+          </a:solidFill>
+          <a:ln>
+            <a:noFill/>
+          </a:ln>
+        </p:spPr>
+        <p:style>
+          <a:lnRef idx="2">
+            <a:schemeClr val="accent1">
+              <a:shade val="50000"/>
+            </a:schemeClr>
+          </a:lnRef>
+          <a:fillRef idx="1">
+            <a:schemeClr val="accent1"/>
+          </a:fillRef>
+          <a:effectRef idx="0">
+            <a:schemeClr val="accent1"/>
+          </a:effectRef>
+          <a:fontRef idx="minor">
+            <a:schemeClr val="lt1"/>
+          </a:fontRef>
+        </p:style>
+        <p:txBody>
+          <a:bodyPr lIns="0" tIns="0" rIns="0" bIns="0" rtlCol="0" anchor="ctr"/>
+          <a:lstStyle/>
+          <a:p>
+            <a:pPr algn="ctr"/>
+            <a:r>
+              <a:rPr lang="en-US" altLang="ko-KR" sz="1300" dirty="0" smtClean="0">
+                <a:latin typeface="Consolas" panose="020B0609020204030204" pitchFamily="49" charset="0"/>
+                <a:cs typeface="Consolas" panose="020B0609020204030204" pitchFamily="49" charset="0"/>
+              </a:rPr>
+              <a:t>outgoing/</a:t>
+            </a:r>
+            <a:endParaRPr lang="ko-KR" altLang="en-US" sz="1300" dirty="0">
+              <a:latin typeface="Consolas" panose="020B0609020204030204" pitchFamily="49" charset="0"/>
+              <a:cs typeface="Consolas" panose="020B0609020204030204" pitchFamily="49" charset="0"/>
+            </a:endParaRPr>
+          </a:p>
+        </p:txBody>
+      </p:sp>
+      <p:sp>
+        <p:nvSpPr>
+          <p:cNvPr id="17" name="직사각형 16"/>
+          <p:cNvSpPr/>
+          <p:nvPr/>
+        </p:nvSpPr>
+        <p:spPr>
+          <a:xfrm>
+            <a:off x="2552391" y="1687731"/>
+            <a:ext cx="1086314" cy="318996"/>
+          </a:xfrm>
+          <a:prstGeom prst="rect">
+            <a:avLst/>
+          </a:prstGeom>
+          <a:solidFill>
+            <a:schemeClr val="tx1">
+              <a:lumMod val="85000"/>
+              <a:lumOff val="15000"/>
+            </a:schemeClr>
+          </a:solidFill>
+          <a:ln>
+            <a:noFill/>
+          </a:ln>
+        </p:spPr>
+        <p:style>
+          <a:lnRef idx="2">
+            <a:schemeClr val="accent1">
+              <a:shade val="50000"/>
+            </a:schemeClr>
+          </a:lnRef>
+          <a:fillRef idx="1">
+            <a:schemeClr val="accent1"/>
+          </a:fillRef>
+          <a:effectRef idx="0">
+            <a:schemeClr val="accent1"/>
+          </a:effectRef>
+          <a:fontRef idx="minor">
+            <a:schemeClr val="lt1"/>
+          </a:fontRef>
+        </p:style>
+        <p:txBody>
+          <a:bodyPr lIns="0" tIns="0" rIns="0" bIns="0" rtlCol="0" anchor="ctr"/>
+          <a:lstStyle/>
+          <a:p>
+            <a:pPr algn="ctr"/>
+            <a:r>
+              <a:rPr lang="en-US" altLang="ko-KR" sz="1300" dirty="0" smtClean="0">
+                <a:latin typeface="Consolas" panose="020B0609020204030204" pitchFamily="49" charset="0"/>
+                <a:cs typeface="Consolas" panose="020B0609020204030204" pitchFamily="49" charset="0"/>
+              </a:rPr>
+              <a:t>outgoing/p</a:t>
+            </a:r>
+            <a:endParaRPr lang="ko-KR" altLang="en-US" sz="1300" dirty="0">
+              <a:latin typeface="Consolas" panose="020B0609020204030204" pitchFamily="49" charset="0"/>
+              <a:cs typeface="Consolas" panose="020B0609020204030204" pitchFamily="49" charset="0"/>
+            </a:endParaRPr>
+          </a:p>
+        </p:txBody>
+      </p:sp>
+      <p:sp>
+        <p:nvSpPr>
+          <p:cNvPr id="18" name="직사각형 17"/>
+          <p:cNvSpPr/>
+          <p:nvPr/>
+        </p:nvSpPr>
+        <p:spPr>
+          <a:xfrm>
+            <a:off x="2552391" y="2056779"/>
+            <a:ext cx="1086314" cy="318996"/>
+          </a:xfrm>
+          <a:prstGeom prst="rect">
+            <a:avLst/>
+          </a:prstGeom>
+          <a:solidFill>
+            <a:schemeClr val="tx1">
+              <a:lumMod val="85000"/>
+              <a:lumOff val="15000"/>
+            </a:schemeClr>
+          </a:solidFill>
+          <a:ln>
+            <a:noFill/>
+          </a:ln>
+        </p:spPr>
+        <p:style>
+          <a:lnRef idx="2">
+            <a:schemeClr val="accent1">
+              <a:shade val="50000"/>
+            </a:schemeClr>
+          </a:lnRef>
+          <a:fillRef idx="1">
+            <a:schemeClr val="accent1"/>
+          </a:fillRef>
+          <a:effectRef idx="0">
+            <a:schemeClr val="accent1"/>
+          </a:effectRef>
+          <a:fontRef idx="minor">
+            <a:schemeClr val="lt1"/>
+          </a:fontRef>
+        </p:style>
+        <p:txBody>
+          <a:bodyPr lIns="0" tIns="0" rIns="0" bIns="0" rtlCol="0" anchor="ctr"/>
+          <a:lstStyle/>
+          <a:p>
+            <a:pPr algn="ctr"/>
+            <a:r>
+              <a:rPr lang="en-US" altLang="ko-KR" sz="1300" dirty="0" smtClean="0">
+                <a:latin typeface="Consolas" panose="020B0609020204030204" pitchFamily="49" charset="0"/>
+                <a:cs typeface="Consolas" panose="020B0609020204030204" pitchFamily="49" charset="0"/>
+              </a:rPr>
+              <a:t>outgoing/c</a:t>
+            </a:r>
+            <a:endParaRPr lang="ko-KR" altLang="en-US" sz="1300" dirty="0">
+              <a:latin typeface="Consolas" panose="020B0609020204030204" pitchFamily="49" charset="0"/>
+              <a:cs typeface="Consolas" panose="020B0609020204030204" pitchFamily="49" charset="0"/>
+            </a:endParaRPr>
+          </a:p>
+        </p:txBody>
+      </p:sp>
+      <p:sp>
+        <p:nvSpPr>
+          <p:cNvPr id="19" name="직사각형 18"/>
+          <p:cNvSpPr/>
+          <p:nvPr/>
+        </p:nvSpPr>
+        <p:spPr>
+          <a:xfrm>
+            <a:off x="2552391" y="2429185"/>
+            <a:ext cx="1086314" cy="318996"/>
+          </a:xfrm>
+          <a:prstGeom prst="rect">
+            <a:avLst/>
+          </a:prstGeom>
+          <a:solidFill>
+            <a:schemeClr val="tx1">
+              <a:lumMod val="85000"/>
+              <a:lumOff val="15000"/>
+            </a:schemeClr>
+          </a:solidFill>
+          <a:ln>
+            <a:noFill/>
+          </a:ln>
+        </p:spPr>
+        <p:style>
+          <a:lnRef idx="2">
+            <a:schemeClr val="accent1">
+              <a:shade val="50000"/>
+            </a:schemeClr>
+          </a:lnRef>
+          <a:fillRef idx="1">
+            <a:schemeClr val="accent1"/>
+          </a:fillRef>
+          <a:effectRef idx="0">
+            <a:schemeClr val="accent1"/>
+          </a:effectRef>
+          <a:fontRef idx="minor">
+            <a:schemeClr val="lt1"/>
+          </a:fontRef>
+        </p:style>
+        <p:txBody>
+          <a:bodyPr lIns="0" tIns="0" rIns="0" bIns="0" rtlCol="0" anchor="ctr"/>
+          <a:lstStyle/>
+          <a:p>
+            <a:pPr algn="ctr"/>
+            <a:r>
+              <a:rPr lang="en-US" altLang="ko-KR" sz="1300" dirty="0">
+                <a:latin typeface="Consolas" panose="020B0609020204030204" pitchFamily="49" charset="0"/>
+                <a:cs typeface="Consolas" panose="020B0609020204030204" pitchFamily="49" charset="0"/>
+              </a:rPr>
+              <a:t>outgoing</a:t>
+            </a:r>
+            <a:r>
+              <a:rPr lang="en-US" altLang="ko-KR" sz="1300" dirty="0" smtClean="0">
+                <a:latin typeface="Consolas" panose="020B0609020204030204" pitchFamily="49" charset="0"/>
+                <a:cs typeface="Consolas" panose="020B0609020204030204" pitchFamily="49" charset="0"/>
+              </a:rPr>
+              <a:t>/z</a:t>
+            </a:r>
+            <a:endParaRPr lang="ko-KR" altLang="en-US" sz="1300" dirty="0">
+              <a:latin typeface="Consolas" panose="020B0609020204030204" pitchFamily="49" charset="0"/>
+              <a:cs typeface="Consolas" panose="020B0609020204030204" pitchFamily="49" charset="0"/>
+            </a:endParaRPr>
+          </a:p>
+        </p:txBody>
+      </p:sp>
+      <p:sp>
+        <p:nvSpPr>
+          <p:cNvPr id="20" name="직사각형 19"/>
+          <p:cNvSpPr/>
+          <p:nvPr/>
+        </p:nvSpPr>
+        <p:spPr>
+          <a:xfrm>
+            <a:off x="2552391" y="2801591"/>
+            <a:ext cx="1086314" cy="318996"/>
+          </a:xfrm>
+          <a:prstGeom prst="rect">
+            <a:avLst/>
+          </a:prstGeom>
+          <a:solidFill>
+            <a:schemeClr val="tx1">
+              <a:lumMod val="85000"/>
+              <a:lumOff val="15000"/>
+            </a:schemeClr>
+          </a:solidFill>
+          <a:ln>
+            <a:noFill/>
+          </a:ln>
+        </p:spPr>
+        <p:style>
+          <a:lnRef idx="2">
+            <a:schemeClr val="accent1">
+              <a:shade val="50000"/>
+            </a:schemeClr>
+          </a:lnRef>
+          <a:fillRef idx="1">
+            <a:schemeClr val="accent1"/>
+          </a:fillRef>
+          <a:effectRef idx="0">
+            <a:schemeClr val="accent1"/>
+          </a:effectRef>
+          <a:fontRef idx="minor">
+            <a:schemeClr val="lt1"/>
+          </a:fontRef>
+        </p:style>
+        <p:txBody>
+          <a:bodyPr lIns="0" tIns="0" rIns="0" bIns="0" rtlCol="0" anchor="ctr"/>
+          <a:lstStyle/>
+          <a:p>
+            <a:pPr algn="ctr"/>
+            <a:r>
+              <a:rPr lang="en-US" altLang="ko-KR" sz="1300" dirty="0" smtClean="0">
+                <a:latin typeface="Consolas" panose="020B0609020204030204" pitchFamily="49" charset="0"/>
+                <a:cs typeface="Consolas" panose="020B0609020204030204" pitchFamily="49" charset="0"/>
+              </a:rPr>
+              <a:t>outgoing/m</a:t>
+            </a:r>
+            <a:endParaRPr lang="ko-KR" altLang="en-US" sz="1300" dirty="0">
+              <a:latin typeface="Consolas" panose="020B0609020204030204" pitchFamily="49" charset="0"/>
+              <a:cs typeface="Consolas" panose="020B0609020204030204" pitchFamily="49" charset="0"/>
+            </a:endParaRPr>
+          </a:p>
+        </p:txBody>
+      </p:sp>
+      <p:sp>
+        <p:nvSpPr>
+          <p:cNvPr id="21" name="직사각형 20"/>
+          <p:cNvSpPr/>
+          <p:nvPr/>
+        </p:nvSpPr>
+        <p:spPr>
+          <a:xfrm>
+            <a:off x="3983258" y="1318683"/>
+            <a:ext cx="1086314" cy="318996"/>
+          </a:xfrm>
+          <a:prstGeom prst="rect">
+            <a:avLst/>
+          </a:prstGeom>
+          <a:solidFill>
+            <a:schemeClr val="tx1">
+              <a:lumMod val="85000"/>
+              <a:lumOff val="15000"/>
+            </a:schemeClr>
+          </a:solidFill>
+          <a:ln>
+            <a:noFill/>
+          </a:ln>
+        </p:spPr>
+        <p:style>
+          <a:lnRef idx="2">
+            <a:schemeClr val="accent1">
+              <a:shade val="50000"/>
+            </a:schemeClr>
+          </a:lnRef>
+          <a:fillRef idx="1">
+            <a:schemeClr val="accent1"/>
+          </a:fillRef>
+          <a:effectRef idx="0">
+            <a:schemeClr val="accent1"/>
+          </a:effectRef>
+          <a:fontRef idx="minor">
+            <a:schemeClr val="lt1"/>
+          </a:fontRef>
+        </p:style>
+        <p:txBody>
+          <a:bodyPr lIns="0" tIns="0" rIns="0" bIns="0" rtlCol="0" anchor="ctr"/>
+          <a:lstStyle/>
+          <a:p>
+            <a:pPr algn="ctr"/>
+            <a:r>
+              <a:rPr lang="en-US" altLang="ko-KR" sz="1300" dirty="0" smtClean="0">
+                <a:latin typeface="Consolas" panose="020B0609020204030204" pitchFamily="49" charset="0"/>
+                <a:cs typeface="Consolas" panose="020B0609020204030204" pitchFamily="49" charset="0"/>
+              </a:rPr>
+              <a:t>result/</a:t>
+            </a:r>
+            <a:endParaRPr lang="ko-KR" altLang="en-US" sz="1300" dirty="0">
+              <a:latin typeface="Consolas" panose="020B0609020204030204" pitchFamily="49" charset="0"/>
+              <a:cs typeface="Consolas" panose="020B0609020204030204" pitchFamily="49" charset="0"/>
+            </a:endParaRPr>
+          </a:p>
+        </p:txBody>
+      </p:sp>
+      <p:sp>
+        <p:nvSpPr>
+          <p:cNvPr id="22" name="직사각형 21"/>
+          <p:cNvSpPr/>
+          <p:nvPr/>
+        </p:nvSpPr>
+        <p:spPr>
+          <a:xfrm>
+            <a:off x="3983258" y="1687731"/>
+            <a:ext cx="1086314" cy="318996"/>
+          </a:xfrm>
+          <a:prstGeom prst="rect">
+            <a:avLst/>
+          </a:prstGeom>
+          <a:solidFill>
+            <a:schemeClr val="tx1">
+              <a:lumMod val="85000"/>
+              <a:lumOff val="15000"/>
+            </a:schemeClr>
+          </a:solidFill>
+          <a:ln>
+            <a:noFill/>
+          </a:ln>
+        </p:spPr>
+        <p:style>
+          <a:lnRef idx="2">
+            <a:schemeClr val="accent1">
+              <a:shade val="50000"/>
+            </a:schemeClr>
+          </a:lnRef>
+          <a:fillRef idx="1">
+            <a:schemeClr val="accent1"/>
+          </a:fillRef>
+          <a:effectRef idx="0">
+            <a:schemeClr val="accent1"/>
+          </a:effectRef>
+          <a:fontRef idx="minor">
+            <a:schemeClr val="lt1"/>
+          </a:fontRef>
+        </p:style>
+        <p:txBody>
+          <a:bodyPr lIns="0" tIns="0" rIns="0" bIns="0" rtlCol="0" anchor="ctr"/>
+          <a:lstStyle/>
+          <a:p>
+            <a:pPr algn="ctr"/>
+            <a:r>
+              <a:rPr lang="en-US" altLang="ko-KR" sz="1300" dirty="0" smtClean="0">
+                <a:latin typeface="Consolas" panose="020B0609020204030204" pitchFamily="49" charset="0"/>
+                <a:cs typeface="Consolas" panose="020B0609020204030204" pitchFamily="49" charset="0"/>
+              </a:rPr>
+              <a:t>result/c</a:t>
+            </a:r>
+            <a:endParaRPr lang="ko-KR" altLang="en-US" sz="1300" dirty="0">
+              <a:latin typeface="Consolas" panose="020B0609020204030204" pitchFamily="49" charset="0"/>
+              <a:cs typeface="Consolas" panose="020B0609020204030204" pitchFamily="49" charset="0"/>
+            </a:endParaRPr>
+          </a:p>
+        </p:txBody>
+      </p:sp>
+      <p:sp>
+        <p:nvSpPr>
+          <p:cNvPr id="23" name="직사각형 22"/>
+          <p:cNvSpPr/>
+          <p:nvPr/>
+        </p:nvSpPr>
+        <p:spPr>
+          <a:xfrm>
+            <a:off x="3983258" y="2056779"/>
+            <a:ext cx="1086314" cy="318996"/>
+          </a:xfrm>
+          <a:prstGeom prst="rect">
+            <a:avLst/>
+          </a:prstGeom>
+          <a:solidFill>
+            <a:schemeClr val="tx1">
+              <a:lumMod val="85000"/>
+              <a:lumOff val="15000"/>
+            </a:schemeClr>
+          </a:solidFill>
+          <a:ln>
+            <a:noFill/>
+          </a:ln>
+        </p:spPr>
+        <p:style>
+          <a:lnRef idx="2">
+            <a:schemeClr val="accent1">
+              <a:shade val="50000"/>
+            </a:schemeClr>
+          </a:lnRef>
+          <a:fillRef idx="1">
+            <a:schemeClr val="accent1"/>
+          </a:fillRef>
+          <a:effectRef idx="0">
+            <a:schemeClr val="accent1"/>
+          </a:effectRef>
+          <a:fontRef idx="minor">
+            <a:schemeClr val="lt1"/>
+          </a:fontRef>
+        </p:style>
+        <p:txBody>
+          <a:bodyPr lIns="0" tIns="0" rIns="0" bIns="0" rtlCol="0" anchor="ctr"/>
+          <a:lstStyle/>
+          <a:p>
+            <a:pPr algn="ctr"/>
+            <a:r>
+              <a:rPr lang="en-US" altLang="ko-KR" sz="1300" dirty="0" smtClean="0">
+                <a:latin typeface="Consolas" panose="020B0609020204030204" pitchFamily="49" charset="0"/>
+                <a:cs typeface="Consolas" panose="020B0609020204030204" pitchFamily="49" charset="0"/>
+              </a:rPr>
+              <a:t>result/m</a:t>
+            </a:r>
+            <a:endParaRPr lang="ko-KR" altLang="en-US" sz="1300" dirty="0">
+              <a:latin typeface="Consolas" panose="020B0609020204030204" pitchFamily="49" charset="0"/>
+              <a:cs typeface="Consolas" panose="020B0609020204030204" pitchFamily="49" charset="0"/>
+            </a:endParaRPr>
+          </a:p>
+        </p:txBody>
+      </p:sp>
+      <p:sp>
+        <p:nvSpPr>
+          <p:cNvPr id="24" name="직사각형 23"/>
+          <p:cNvSpPr/>
+          <p:nvPr/>
+        </p:nvSpPr>
+        <p:spPr>
+          <a:xfrm>
+            <a:off x="5414124" y="1318683"/>
+            <a:ext cx="1774075" cy="318996"/>
+          </a:xfrm>
+          <a:prstGeom prst="rect">
+            <a:avLst/>
+          </a:prstGeom>
+          <a:solidFill>
+            <a:schemeClr val="tx1">
+              <a:lumMod val="85000"/>
+              <a:lumOff val="15000"/>
+            </a:schemeClr>
+          </a:solidFill>
+          <a:ln>
+            <a:noFill/>
+          </a:ln>
+        </p:spPr>
+        <p:style>
+          <a:lnRef idx="2">
+            <a:schemeClr val="accent1">
+              <a:shade val="50000"/>
+            </a:schemeClr>
+          </a:lnRef>
+          <a:fillRef idx="1">
+            <a:schemeClr val="accent1"/>
+          </a:fillRef>
+          <a:effectRef idx="0">
+            <a:schemeClr val="accent1"/>
+          </a:effectRef>
+          <a:fontRef idx="minor">
+            <a:schemeClr val="lt1"/>
+          </a:fontRef>
+        </p:style>
+        <p:txBody>
+          <a:bodyPr lIns="0" tIns="0" rIns="0" bIns="0" rtlCol="0" anchor="ctr"/>
+          <a:lstStyle/>
+          <a:p>
+            <a:pPr algn="ctr"/>
+            <a:r>
+              <a:rPr lang="en-US" altLang="ko-KR" sz="1300" dirty="0">
+                <a:latin typeface="Consolas" panose="020B0609020204030204" pitchFamily="49" charset="0"/>
+                <a:cs typeface="Consolas" panose="020B0609020204030204" pitchFamily="49" charset="0"/>
+              </a:rPr>
+              <a:t>work/incoming/</a:t>
+            </a:r>
+            <a:endParaRPr lang="ko-KR" altLang="en-US" sz="1300" dirty="0">
+              <a:latin typeface="Consolas" panose="020B0609020204030204" pitchFamily="49" charset="0"/>
+              <a:cs typeface="Consolas" panose="020B0609020204030204" pitchFamily="49" charset="0"/>
+            </a:endParaRPr>
+          </a:p>
+        </p:txBody>
+      </p:sp>
+      <p:sp>
+        <p:nvSpPr>
+          <p:cNvPr id="25" name="직사각형 24"/>
+          <p:cNvSpPr/>
+          <p:nvPr/>
+        </p:nvSpPr>
+        <p:spPr>
+          <a:xfrm>
+            <a:off x="5414125" y="1687731"/>
+            <a:ext cx="1774074" cy="318996"/>
+          </a:xfrm>
+          <a:prstGeom prst="rect">
+            <a:avLst/>
+          </a:prstGeom>
+          <a:solidFill>
+            <a:schemeClr val="tx1">
+              <a:lumMod val="85000"/>
+              <a:lumOff val="15000"/>
+            </a:schemeClr>
+          </a:solidFill>
+          <a:ln>
+            <a:noFill/>
+          </a:ln>
+        </p:spPr>
+        <p:style>
+          <a:lnRef idx="2">
+            <a:schemeClr val="accent1">
+              <a:shade val="50000"/>
+            </a:schemeClr>
+          </a:lnRef>
+          <a:fillRef idx="1">
+            <a:schemeClr val="accent1"/>
+          </a:fillRef>
+          <a:effectRef idx="0">
+            <a:schemeClr val="accent1"/>
+          </a:effectRef>
+          <a:fontRef idx="minor">
+            <a:schemeClr val="lt1"/>
+          </a:fontRef>
+        </p:style>
+        <p:txBody>
+          <a:bodyPr lIns="0" tIns="0" rIns="0" bIns="0" rtlCol="0" anchor="ctr"/>
+          <a:lstStyle/>
+          <a:p>
+            <a:pPr algn="ctr"/>
+            <a:r>
+              <a:rPr lang="en-US" altLang="ko-KR" sz="1300" dirty="0">
+                <a:latin typeface="Consolas" panose="020B0609020204030204" pitchFamily="49" charset="0"/>
+                <a:cs typeface="Consolas" panose="020B0609020204030204" pitchFamily="49" charset="0"/>
+              </a:rPr>
+              <a:t>work/outgoing/</a:t>
+            </a:r>
+            <a:endParaRPr lang="ko-KR" altLang="en-US" sz="1300" dirty="0">
+              <a:latin typeface="Consolas" panose="020B0609020204030204" pitchFamily="49" charset="0"/>
+              <a:cs typeface="Consolas" panose="020B0609020204030204" pitchFamily="49" charset="0"/>
+            </a:endParaRPr>
+          </a:p>
+        </p:txBody>
+      </p:sp>
+    </p:spTree>
+    <p:extLst>
+      <p:ext uri="{BB962C8B-B14F-4D97-AF65-F5344CB8AC3E}">
+        <p14:creationId xmlns:p14="http://schemas.microsoft.com/office/powerpoint/2010/main" val="3257148858"/>
+      </p:ext>
+    </p:extLst>
+  </p:cSld>
+  <p:clrMapOvr>
+    <a:masterClrMapping/>
+  </p:clrMapOvr>
+</p:sld>
+</file>
+
 <file path=ppt/slides/slide2.xml><?xml version="1.0" encoding="utf-8"?>
 <p:sld xmlns:a="http://schemas.openxmlformats.org/drawingml/2006/main" xmlns:r="http://schemas.openxmlformats.org/officeDocument/2006/relationships" xmlns:p="http://schemas.openxmlformats.org/presentationml/2006/main">
   <p:cSld>

--- a/_doc/django_python.pptx
+++ b/_doc/django_python.pptx
@@ -19,6 +19,7 @@
     <p:sldId id="268" r:id="rId13"/>
     <p:sldId id="267" r:id="rId14"/>
     <p:sldId id="269" r:id="rId15"/>
+    <p:sldId id="270" r:id="rId16"/>
   </p:sldIdLst>
   <p:sldSz cx="12192000" cy="6858000"/>
   <p:notesSz cx="6858000" cy="9144000"/>
@@ -256,7 +257,7 @@
           <a:p>
             <a:fld id="{16D6C780-5612-456C-875F-EAF099912A32}" type="datetimeFigureOut">
               <a:rPr lang="ko-KR" altLang="en-US" smtClean="0"/>
-              <a:t>2016-08-14</a:t>
+              <a:t>2016-08-15</a:t>
             </a:fld>
             <a:endParaRPr lang="ko-KR" altLang="en-US"/>
           </a:p>
@@ -426,7 +427,7 @@
           <a:p>
             <a:fld id="{16D6C780-5612-456C-875F-EAF099912A32}" type="datetimeFigureOut">
               <a:rPr lang="ko-KR" altLang="en-US" smtClean="0"/>
-              <a:t>2016-08-14</a:t>
+              <a:t>2016-08-15</a:t>
             </a:fld>
             <a:endParaRPr lang="ko-KR" altLang="en-US"/>
           </a:p>
@@ -606,7 +607,7 @@
           <a:p>
             <a:fld id="{16D6C780-5612-456C-875F-EAF099912A32}" type="datetimeFigureOut">
               <a:rPr lang="ko-KR" altLang="en-US" smtClean="0"/>
-              <a:t>2016-08-14</a:t>
+              <a:t>2016-08-15</a:t>
             </a:fld>
             <a:endParaRPr lang="ko-KR" altLang="en-US"/>
           </a:p>
@@ -776,7 +777,7 @@
           <a:p>
             <a:fld id="{16D6C780-5612-456C-875F-EAF099912A32}" type="datetimeFigureOut">
               <a:rPr lang="ko-KR" altLang="en-US" smtClean="0"/>
-              <a:t>2016-08-14</a:t>
+              <a:t>2016-08-15</a:t>
             </a:fld>
             <a:endParaRPr lang="ko-KR" altLang="en-US"/>
           </a:p>
@@ -1022,7 +1023,7 @@
           <a:p>
             <a:fld id="{16D6C780-5612-456C-875F-EAF099912A32}" type="datetimeFigureOut">
               <a:rPr lang="ko-KR" altLang="en-US" smtClean="0"/>
-              <a:t>2016-08-14</a:t>
+              <a:t>2016-08-15</a:t>
             </a:fld>
             <a:endParaRPr lang="ko-KR" altLang="en-US"/>
           </a:p>
@@ -1254,7 +1255,7 @@
           <a:p>
             <a:fld id="{16D6C780-5612-456C-875F-EAF099912A32}" type="datetimeFigureOut">
               <a:rPr lang="ko-KR" altLang="en-US" smtClean="0"/>
-              <a:t>2016-08-14</a:t>
+              <a:t>2016-08-15</a:t>
             </a:fld>
             <a:endParaRPr lang="ko-KR" altLang="en-US"/>
           </a:p>
@@ -1621,7 +1622,7 @@
           <a:p>
             <a:fld id="{16D6C780-5612-456C-875F-EAF099912A32}" type="datetimeFigureOut">
               <a:rPr lang="ko-KR" altLang="en-US" smtClean="0"/>
-              <a:t>2016-08-14</a:t>
+              <a:t>2016-08-15</a:t>
             </a:fld>
             <a:endParaRPr lang="ko-KR" altLang="en-US"/>
           </a:p>
@@ -1739,7 +1740,7 @@
           <a:p>
             <a:fld id="{16D6C780-5612-456C-875F-EAF099912A32}" type="datetimeFigureOut">
               <a:rPr lang="ko-KR" altLang="en-US" smtClean="0"/>
-              <a:t>2016-08-14</a:t>
+              <a:t>2016-08-15</a:t>
             </a:fld>
             <a:endParaRPr lang="ko-KR" altLang="en-US"/>
           </a:p>
@@ -1834,7 +1835,7 @@
           <a:p>
             <a:fld id="{16D6C780-5612-456C-875F-EAF099912A32}" type="datetimeFigureOut">
               <a:rPr lang="ko-KR" altLang="en-US" smtClean="0"/>
-              <a:t>2016-08-14</a:t>
+              <a:t>2016-08-15</a:t>
             </a:fld>
             <a:endParaRPr lang="ko-KR" altLang="en-US"/>
           </a:p>
@@ -2111,7 +2112,7 @@
           <a:p>
             <a:fld id="{16D6C780-5612-456C-875F-EAF099912A32}" type="datetimeFigureOut">
               <a:rPr lang="ko-KR" altLang="en-US" smtClean="0"/>
-              <a:t>2016-08-14</a:t>
+              <a:t>2016-08-15</a:t>
             </a:fld>
             <a:endParaRPr lang="ko-KR" altLang="en-US"/>
           </a:p>
@@ -2364,7 +2365,7 @@
           <a:p>
             <a:fld id="{16D6C780-5612-456C-875F-EAF099912A32}" type="datetimeFigureOut">
               <a:rPr lang="ko-KR" altLang="en-US" smtClean="0"/>
-              <a:t>2016-08-14</a:t>
+              <a:t>2016-08-15</a:t>
             </a:fld>
             <a:endParaRPr lang="ko-KR" altLang="en-US"/>
           </a:p>
@@ -2577,7 +2578,7 @@
           <a:p>
             <a:fld id="{16D6C780-5612-456C-875F-EAF099912A32}" type="datetimeFigureOut">
               <a:rPr lang="ko-KR" altLang="en-US" smtClean="0"/>
-              <a:t>2016-08-14</a:t>
+              <a:t>2016-08-15</a:t>
             </a:fld>
             <a:endParaRPr lang="ko-KR" altLang="en-US"/>
           </a:p>
@@ -6537,6 +6538,2188 @@
 </p:sld>
 </file>
 
+<file path=ppt/slides/slide15.xml><?xml version="1.0" encoding="utf-8"?>
+<p:sld xmlns:a="http://schemas.openxmlformats.org/drawingml/2006/main" xmlns:r="http://schemas.openxmlformats.org/officeDocument/2006/relationships" xmlns:p="http://schemas.openxmlformats.org/presentationml/2006/main">
+  <p:cSld>
+    <p:spTree>
+      <p:nvGrpSpPr>
+        <p:cNvPr id="1" name=""/>
+        <p:cNvGrpSpPr/>
+        <p:nvPr/>
+      </p:nvGrpSpPr>
+      <p:grpSpPr>
+        <a:xfrm>
+          <a:off x="0" y="0"/>
+          <a:ext cx="0" cy="0"/>
+          <a:chOff x="0" y="0"/>
+          <a:chExt cx="0" cy="0"/>
+        </a:xfrm>
+      </p:grpSpPr>
+      <p:sp>
+        <p:nvSpPr>
+          <p:cNvPr id="4" name="직사각형 3"/>
+          <p:cNvSpPr/>
+          <p:nvPr/>
+        </p:nvSpPr>
+        <p:spPr>
+          <a:xfrm>
+            <a:off x="155171" y="85774"/>
+            <a:ext cx="1279929" cy="369332"/>
+          </a:xfrm>
+          <a:prstGeom prst="rect">
+            <a:avLst/>
+          </a:prstGeom>
+        </p:spPr>
+        <p:txBody>
+          <a:bodyPr wrap="square">
+            <a:spAutoFit/>
+          </a:bodyPr>
+          <a:lstStyle/>
+          <a:p>
+            <a:r>
+              <a:rPr lang="ko-KR" altLang="en-US" smtClean="0"/>
+              <a:t>마이창고</a:t>
+            </a:r>
+            <a:endParaRPr lang="ko-KR" altLang="en-US" dirty="0"/>
+          </a:p>
+        </p:txBody>
+      </p:sp>
+      <p:sp>
+        <p:nvSpPr>
+          <p:cNvPr id="5" name="직사각형 4"/>
+          <p:cNvSpPr/>
+          <p:nvPr/>
+        </p:nvSpPr>
+        <p:spPr>
+          <a:xfrm>
+            <a:off x="1435100" y="181391"/>
+            <a:ext cx="4636962" cy="246221"/>
+          </a:xfrm>
+          <a:prstGeom prst="rect">
+            <a:avLst/>
+          </a:prstGeom>
+        </p:spPr>
+        <p:txBody>
+          <a:bodyPr wrap="square">
+            <a:spAutoFit/>
+          </a:bodyPr>
+          <a:lstStyle/>
+          <a:p>
+            <a:r>
+              <a:rPr lang="ko-KR" altLang="en-US" sz="1000" dirty="0"/>
+              <a:t>상품보관</a:t>
+            </a:r>
+            <a:r>
+              <a:rPr lang="en-US" altLang="ko-KR" sz="1000" dirty="0"/>
+              <a:t>·</a:t>
+            </a:r>
+            <a:r>
+              <a:rPr lang="ko-KR" altLang="en-US" sz="1000" dirty="0"/>
+              <a:t>박스포장부터 택배까지 저렴 처리</a:t>
+            </a:r>
+            <a:endParaRPr lang="ko-KR" altLang="en-US" sz="1000" dirty="0"/>
+          </a:p>
+        </p:txBody>
+      </p:sp>
+      <p:sp>
+        <p:nvSpPr>
+          <p:cNvPr id="7" name="직사각형 6"/>
+          <p:cNvSpPr/>
+          <p:nvPr/>
+        </p:nvSpPr>
+        <p:spPr>
+          <a:xfrm>
+            <a:off x="469900" y="550723"/>
+            <a:ext cx="5422900" cy="5786199"/>
+          </a:xfrm>
+          <a:prstGeom prst="rect">
+            <a:avLst/>
+          </a:prstGeom>
+        </p:spPr>
+        <p:txBody>
+          <a:bodyPr wrap="square">
+            <a:spAutoFit/>
+          </a:bodyPr>
+          <a:lstStyle/>
+          <a:p>
+            <a:r>
+              <a:rPr lang="ko-KR" altLang="en-US" sz="1000" dirty="0" smtClean="0">
+                <a:solidFill>
+                  <a:srgbClr val="0070C0"/>
+                </a:solidFill>
+              </a:rPr>
+              <a:t>지역 </a:t>
+            </a:r>
+            <a:r>
+              <a:rPr lang="en-US" altLang="ko-KR" sz="1000" dirty="0" smtClean="0">
+                <a:solidFill>
+                  <a:srgbClr val="0070C0"/>
+                </a:solidFill>
+              </a:rPr>
+              <a:t>: </a:t>
+            </a:r>
+            <a:r>
+              <a:rPr lang="ko-KR" altLang="en-US" sz="1000" dirty="0" smtClean="0">
+                <a:solidFill>
+                  <a:srgbClr val="0070C0"/>
+                </a:solidFill>
+              </a:rPr>
+              <a:t>경기도 안양시</a:t>
+            </a:r>
+            <a:endParaRPr lang="en-US" altLang="ko-KR" sz="1000" dirty="0" smtClean="0">
+              <a:solidFill>
+                <a:srgbClr val="0070C0"/>
+              </a:solidFill>
+            </a:endParaRPr>
+          </a:p>
+          <a:p>
+            <a:r>
+              <a:rPr lang="ko-KR" altLang="en-US" sz="1000" dirty="0" smtClean="0">
+                <a:solidFill>
+                  <a:srgbClr val="0070C0"/>
+                </a:solidFill>
+              </a:rPr>
+              <a:t>업종 </a:t>
+            </a:r>
+            <a:r>
+              <a:rPr lang="en-US" altLang="ko-KR" sz="1000" dirty="0" smtClean="0">
+                <a:solidFill>
+                  <a:srgbClr val="0070C0"/>
+                </a:solidFill>
+              </a:rPr>
+              <a:t>: </a:t>
+            </a:r>
+            <a:r>
+              <a:rPr lang="ko-KR" altLang="en-US" sz="1000" dirty="0" smtClean="0">
+                <a:solidFill>
+                  <a:srgbClr val="0070C0"/>
+                </a:solidFill>
+              </a:rPr>
+              <a:t>화장품 제조기업</a:t>
+            </a:r>
+            <a:endParaRPr lang="en-US" altLang="ko-KR" sz="1000" dirty="0" smtClean="0">
+              <a:solidFill>
+                <a:srgbClr val="0070C0"/>
+              </a:solidFill>
+            </a:endParaRPr>
+          </a:p>
+          <a:p>
+            <a:r>
+              <a:rPr lang="ko-KR" altLang="en-US" sz="1000" dirty="0" err="1" smtClean="0">
+                <a:solidFill>
+                  <a:srgbClr val="0070C0"/>
+                </a:solidFill>
+              </a:rPr>
+              <a:t>업주명</a:t>
+            </a:r>
+            <a:r>
+              <a:rPr lang="ko-KR" altLang="en-US" sz="1000" dirty="0" smtClean="0">
+                <a:solidFill>
+                  <a:srgbClr val="0070C0"/>
+                </a:solidFill>
+              </a:rPr>
+              <a:t> </a:t>
+            </a:r>
+            <a:r>
+              <a:rPr lang="en-US" altLang="ko-KR" sz="1000" dirty="0" smtClean="0">
+                <a:solidFill>
+                  <a:srgbClr val="0070C0"/>
+                </a:solidFill>
+              </a:rPr>
+              <a:t>: </a:t>
+            </a:r>
+            <a:r>
+              <a:rPr lang="ko-KR" altLang="en-US" sz="1000" dirty="0">
+                <a:solidFill>
+                  <a:srgbClr val="0070C0"/>
+                </a:solidFill>
+              </a:rPr>
+              <a:t>김원모 이노진</a:t>
+            </a:r>
+            <a:r>
+              <a:rPr lang="ko-KR" altLang="en-US" sz="1000" dirty="0" smtClean="0">
+                <a:solidFill>
+                  <a:srgbClr val="0070C0"/>
+                </a:solidFill>
+              </a:rPr>
+              <a:t> </a:t>
+            </a:r>
+            <a:r>
+              <a:rPr lang="en-US" altLang="ko-KR" sz="1000" dirty="0" smtClean="0">
+                <a:solidFill>
+                  <a:srgbClr val="0070C0"/>
+                </a:solidFill>
+              </a:rPr>
+              <a:t>(</a:t>
+            </a:r>
+            <a:r>
+              <a:rPr lang="ko-KR" altLang="en-US" sz="1000" dirty="0">
+                <a:solidFill>
+                  <a:srgbClr val="0070C0"/>
+                </a:solidFill>
+              </a:rPr>
+              <a:t>생산</a:t>
+            </a:r>
+            <a:r>
+              <a:rPr lang="en-US" altLang="ko-KR" sz="1000" dirty="0">
+                <a:solidFill>
+                  <a:srgbClr val="0070C0"/>
+                </a:solidFill>
+              </a:rPr>
+              <a:t>·</a:t>
+            </a:r>
+            <a:r>
+              <a:rPr lang="ko-KR" altLang="en-US" sz="1000" dirty="0" smtClean="0">
+                <a:solidFill>
+                  <a:srgbClr val="0070C0"/>
+                </a:solidFill>
+              </a:rPr>
+              <a:t>물류 팀 이사</a:t>
+            </a:r>
+            <a:r>
+              <a:rPr lang="en-US" altLang="ko-KR" sz="1000" dirty="0" smtClean="0">
+                <a:solidFill>
+                  <a:srgbClr val="0070C0"/>
+                </a:solidFill>
+              </a:rPr>
+              <a:t>)</a:t>
+            </a:r>
+          </a:p>
+          <a:p>
+            <a:r>
+              <a:rPr lang="ko-KR" altLang="en-US" sz="1000" dirty="0" smtClean="0">
+                <a:solidFill>
+                  <a:srgbClr val="0070C0"/>
+                </a:solidFill>
+              </a:rPr>
+              <a:t>사업공간 </a:t>
+            </a:r>
+            <a:r>
+              <a:rPr lang="en-US" altLang="ko-KR" sz="1000" dirty="0" smtClean="0">
+                <a:solidFill>
+                  <a:srgbClr val="0070C0"/>
+                </a:solidFill>
+              </a:rPr>
+              <a:t>: 30</a:t>
+            </a:r>
+            <a:r>
+              <a:rPr lang="ko-KR" altLang="en-US" sz="1000" dirty="0">
+                <a:solidFill>
+                  <a:srgbClr val="0070C0"/>
+                </a:solidFill>
+              </a:rPr>
+              <a:t>여 평</a:t>
+            </a:r>
+            <a:r>
+              <a:rPr lang="en-US" altLang="ko-KR" sz="1000" dirty="0">
+                <a:solidFill>
+                  <a:srgbClr val="0070C0"/>
+                </a:solidFill>
+              </a:rPr>
+              <a:t>(</a:t>
+            </a:r>
+            <a:r>
+              <a:rPr lang="ko-KR" altLang="en-US" sz="1000" dirty="0">
+                <a:solidFill>
+                  <a:srgbClr val="0070C0"/>
+                </a:solidFill>
+              </a:rPr>
+              <a:t>약 </a:t>
+            </a:r>
+            <a:r>
+              <a:rPr lang="en-US" altLang="ko-KR" sz="1000" dirty="0">
+                <a:solidFill>
+                  <a:srgbClr val="0070C0"/>
+                </a:solidFill>
+              </a:rPr>
+              <a:t>99.17㎡</a:t>
+            </a:r>
+            <a:r>
+              <a:rPr lang="en-US" altLang="ko-KR" sz="1000" dirty="0" smtClean="0">
+                <a:solidFill>
+                  <a:srgbClr val="0070C0"/>
+                </a:solidFill>
+              </a:rPr>
+              <a:t>), </a:t>
+            </a:r>
+            <a:r>
+              <a:rPr lang="ko-KR" altLang="en-US" sz="1000" dirty="0" smtClean="0">
+                <a:solidFill>
+                  <a:srgbClr val="0070C0"/>
+                </a:solidFill>
+              </a:rPr>
+              <a:t>자체 물류창고</a:t>
+            </a:r>
+            <a:endParaRPr lang="en-US" altLang="ko-KR" sz="1000" dirty="0" smtClean="0">
+              <a:solidFill>
+                <a:srgbClr val="0070C0"/>
+              </a:solidFill>
+            </a:endParaRPr>
+          </a:p>
+          <a:p>
+            <a:r>
+              <a:rPr lang="ko-KR" altLang="en-US" sz="1000" dirty="0" smtClean="0">
+                <a:solidFill>
+                  <a:srgbClr val="0070C0"/>
+                </a:solidFill>
+              </a:rPr>
+              <a:t>유통량 </a:t>
+            </a:r>
+            <a:r>
+              <a:rPr lang="en-US" altLang="ko-KR" sz="1000" dirty="0" smtClean="0">
+                <a:solidFill>
+                  <a:srgbClr val="0070C0"/>
+                </a:solidFill>
+              </a:rPr>
+              <a:t>: </a:t>
+            </a:r>
+            <a:r>
+              <a:rPr lang="ko-KR" altLang="en-US" sz="1000" dirty="0" smtClean="0">
+                <a:solidFill>
+                  <a:srgbClr val="0070C0"/>
+                </a:solidFill>
+              </a:rPr>
+              <a:t>하루 </a:t>
+            </a:r>
+            <a:r>
+              <a:rPr lang="ko-KR" altLang="en-US" sz="1000" dirty="0">
+                <a:solidFill>
+                  <a:srgbClr val="0070C0"/>
+                </a:solidFill>
+              </a:rPr>
+              <a:t>평균 </a:t>
+            </a:r>
+            <a:r>
+              <a:rPr lang="en-US" altLang="ko-KR" sz="1000" dirty="0">
+                <a:solidFill>
+                  <a:srgbClr val="0070C0"/>
+                </a:solidFill>
+              </a:rPr>
+              <a:t>250</a:t>
+            </a:r>
+            <a:r>
+              <a:rPr lang="ko-KR" altLang="en-US" sz="1000" dirty="0" smtClean="0">
+                <a:solidFill>
+                  <a:srgbClr val="0070C0"/>
+                </a:solidFill>
+              </a:rPr>
+              <a:t>건</a:t>
+            </a:r>
+            <a:endParaRPr lang="en-US" altLang="ko-KR" sz="1000" dirty="0" smtClean="0">
+              <a:solidFill>
+                <a:srgbClr val="0070C0"/>
+              </a:solidFill>
+            </a:endParaRPr>
+          </a:p>
+          <a:p>
+            <a:endParaRPr lang="en-US" altLang="ko-KR" sz="1000" dirty="0"/>
+          </a:p>
+          <a:p>
+            <a:r>
+              <a:rPr lang="ko-KR" altLang="en-US" sz="1000" dirty="0" err="1" smtClean="0">
+                <a:solidFill>
+                  <a:schemeClr val="accent6">
+                    <a:lumMod val="50000"/>
+                  </a:schemeClr>
+                </a:solidFill>
+              </a:rPr>
+              <a:t>아웃소싱</a:t>
+            </a:r>
+            <a:r>
+              <a:rPr lang="ko-KR" altLang="en-US" sz="1000" dirty="0" smtClean="0">
+                <a:solidFill>
+                  <a:schemeClr val="accent6">
+                    <a:lumMod val="50000"/>
+                  </a:schemeClr>
+                </a:solidFill>
+              </a:rPr>
+              <a:t> </a:t>
+            </a:r>
+            <a:r>
+              <a:rPr lang="en-US" altLang="ko-KR" sz="1000" dirty="0" smtClean="0">
+                <a:solidFill>
+                  <a:schemeClr val="accent6">
+                    <a:lumMod val="50000"/>
+                  </a:schemeClr>
+                </a:solidFill>
+              </a:rPr>
+              <a:t>: </a:t>
+            </a:r>
+            <a:r>
+              <a:rPr lang="ko-KR" altLang="en-US" sz="1000" dirty="0" smtClean="0">
+                <a:solidFill>
+                  <a:schemeClr val="accent6">
+                    <a:lumMod val="50000"/>
+                  </a:schemeClr>
+                </a:solidFill>
+              </a:rPr>
+              <a:t>물류창고</a:t>
+            </a:r>
+            <a:endParaRPr lang="en-US" altLang="ko-KR" sz="1000" dirty="0" smtClean="0">
+              <a:solidFill>
+                <a:schemeClr val="accent6">
+                  <a:lumMod val="50000"/>
+                </a:schemeClr>
+              </a:solidFill>
+            </a:endParaRPr>
+          </a:p>
+          <a:p>
+            <a:r>
+              <a:rPr lang="ko-KR" altLang="en-US" sz="1000" dirty="0" smtClean="0">
+                <a:solidFill>
+                  <a:schemeClr val="accent6">
+                    <a:lumMod val="50000"/>
+                  </a:schemeClr>
+                </a:solidFill>
+              </a:rPr>
+              <a:t>지역 </a:t>
+            </a:r>
+            <a:r>
+              <a:rPr lang="en-US" altLang="ko-KR" sz="1000" dirty="0" smtClean="0">
+                <a:solidFill>
+                  <a:schemeClr val="accent6">
+                    <a:lumMod val="50000"/>
+                  </a:schemeClr>
+                </a:solidFill>
+              </a:rPr>
+              <a:t>: </a:t>
+            </a:r>
+            <a:r>
+              <a:rPr lang="ko-KR" altLang="en-US" sz="1000" dirty="0" smtClean="0">
+                <a:solidFill>
+                  <a:schemeClr val="accent6">
+                    <a:lumMod val="50000"/>
+                  </a:schemeClr>
+                </a:solidFill>
+              </a:rPr>
+              <a:t>경기도</a:t>
+            </a:r>
+            <a:endParaRPr lang="en-US" altLang="ko-KR" sz="1000" dirty="0" smtClean="0">
+              <a:solidFill>
+                <a:schemeClr val="accent6">
+                  <a:lumMod val="50000"/>
+                </a:schemeClr>
+              </a:solidFill>
+            </a:endParaRPr>
+          </a:p>
+          <a:p>
+            <a:r>
+              <a:rPr lang="ko-KR" altLang="en-US" sz="1000" dirty="0" smtClean="0">
+                <a:solidFill>
+                  <a:schemeClr val="accent6">
+                    <a:lumMod val="50000"/>
+                  </a:schemeClr>
+                </a:solidFill>
+              </a:rPr>
+              <a:t>조건 </a:t>
+            </a:r>
+            <a:r>
+              <a:rPr lang="en-US" altLang="ko-KR" sz="1000" dirty="0" smtClean="0">
+                <a:solidFill>
+                  <a:schemeClr val="accent6">
+                    <a:lumMod val="50000"/>
+                  </a:schemeClr>
+                </a:solidFill>
+              </a:rPr>
+              <a:t>: </a:t>
+            </a:r>
+            <a:r>
+              <a:rPr lang="ko-KR" altLang="en-US" sz="1000" dirty="0" smtClean="0">
+                <a:solidFill>
+                  <a:schemeClr val="accent6">
+                    <a:lumMod val="50000"/>
+                  </a:schemeClr>
+                </a:solidFill>
+              </a:rPr>
+              <a:t>소량의 </a:t>
+            </a:r>
+            <a:r>
+              <a:rPr lang="ko-KR" altLang="en-US" sz="1000" dirty="0">
+                <a:solidFill>
+                  <a:schemeClr val="accent6">
+                    <a:lumMod val="50000"/>
+                  </a:schemeClr>
+                </a:solidFill>
+              </a:rPr>
+              <a:t>화물을 </a:t>
+            </a:r>
+            <a:r>
+              <a:rPr lang="ko-KR" altLang="en-US" sz="1000" dirty="0" smtClean="0">
+                <a:solidFill>
+                  <a:schemeClr val="accent6">
+                    <a:lumMod val="50000"/>
+                  </a:schemeClr>
+                </a:solidFill>
+              </a:rPr>
+              <a:t>위탁</a:t>
+            </a:r>
+            <a:endParaRPr lang="en-US" altLang="ko-KR" sz="1000" dirty="0" smtClean="0">
+              <a:solidFill>
+                <a:schemeClr val="accent6">
+                  <a:lumMod val="50000"/>
+                </a:schemeClr>
+              </a:solidFill>
+            </a:endParaRPr>
+          </a:p>
+          <a:p>
+            <a:endParaRPr lang="en-US" altLang="ko-KR" sz="1000" dirty="0" smtClean="0">
+              <a:solidFill>
+                <a:schemeClr val="accent6">
+                  <a:lumMod val="50000"/>
+                </a:schemeClr>
+              </a:solidFill>
+            </a:endParaRPr>
+          </a:p>
+          <a:p>
+            <a:r>
+              <a:rPr lang="ko-KR" altLang="en-US" sz="1000" dirty="0" smtClean="0">
+                <a:solidFill>
+                  <a:schemeClr val="accent6">
+                    <a:lumMod val="50000"/>
+                  </a:schemeClr>
+                </a:solidFill>
+              </a:rPr>
+              <a:t>업체 </a:t>
+            </a:r>
+            <a:r>
+              <a:rPr lang="en-US" altLang="ko-KR" sz="1000" dirty="0" smtClean="0">
+                <a:solidFill>
+                  <a:schemeClr val="accent6">
+                    <a:lumMod val="50000"/>
+                  </a:schemeClr>
+                </a:solidFill>
+              </a:rPr>
+              <a:t>1 : “</a:t>
+            </a:r>
+            <a:r>
+              <a:rPr lang="ko-KR" altLang="en-US" sz="1000" dirty="0" err="1" smtClean="0">
+                <a:solidFill>
+                  <a:schemeClr val="accent6">
+                    <a:lumMod val="50000"/>
+                  </a:schemeClr>
+                </a:solidFill>
+              </a:rPr>
+              <a:t>마이창고</a:t>
+            </a:r>
+            <a:r>
+              <a:rPr lang="en-US" altLang="ko-KR" sz="1000" dirty="0" smtClean="0">
+                <a:solidFill>
+                  <a:schemeClr val="accent6">
+                    <a:lumMod val="50000"/>
+                  </a:schemeClr>
+                </a:solidFill>
+              </a:rPr>
+              <a:t>” </a:t>
+            </a:r>
+            <a:r>
+              <a:rPr lang="ko-KR" altLang="en-US" sz="1000" dirty="0" smtClean="0">
+                <a:solidFill>
+                  <a:schemeClr val="accent6">
+                    <a:lumMod val="50000"/>
+                  </a:schemeClr>
+                </a:solidFill>
+              </a:rPr>
+              <a:t>물류벤처 </a:t>
+            </a:r>
+            <a:r>
+              <a:rPr lang="ko-KR" altLang="en-US" sz="1000" dirty="0" err="1">
+                <a:solidFill>
+                  <a:schemeClr val="accent6">
+                    <a:lumMod val="50000"/>
+                  </a:schemeClr>
+                </a:solidFill>
+              </a:rPr>
+              <a:t>마이창고</a:t>
+            </a:r>
+            <a:r>
+              <a:rPr lang="en-US" altLang="ko-KR" sz="1000" dirty="0">
+                <a:solidFill>
+                  <a:schemeClr val="accent6">
+                    <a:lumMod val="50000"/>
+                  </a:schemeClr>
+                </a:solidFill>
+              </a:rPr>
+              <a:t>(</a:t>
+            </a:r>
+            <a:r>
+              <a:rPr lang="ko-KR" altLang="en-US" sz="1000" dirty="0">
+                <a:solidFill>
+                  <a:schemeClr val="accent6">
+                    <a:lumMod val="50000"/>
+                  </a:schemeClr>
+                </a:solidFill>
+              </a:rPr>
+              <a:t>대표 손민재</a:t>
+            </a:r>
+            <a:r>
+              <a:rPr lang="en-US" altLang="ko-KR" sz="1000" dirty="0">
+                <a:solidFill>
+                  <a:schemeClr val="accent6">
+                    <a:lumMod val="50000"/>
+                  </a:schemeClr>
+                </a:solidFill>
+              </a:rPr>
+              <a:t>·</a:t>
+            </a:r>
+            <a:r>
+              <a:rPr lang="ko-KR" altLang="en-US" sz="1000" dirty="0">
+                <a:solidFill>
+                  <a:schemeClr val="accent6">
+                    <a:lumMod val="50000"/>
+                  </a:schemeClr>
+                </a:solidFill>
+              </a:rPr>
+              <a:t>사진</a:t>
+            </a:r>
+            <a:r>
+              <a:rPr lang="en-US" altLang="ko-KR" sz="1000" dirty="0" smtClean="0">
+                <a:solidFill>
+                  <a:schemeClr val="accent6">
+                    <a:lumMod val="50000"/>
+                  </a:schemeClr>
+                </a:solidFill>
+              </a:rPr>
+              <a:t>)</a:t>
+            </a:r>
+          </a:p>
+          <a:p>
+            <a:r>
+              <a:rPr lang="ko-KR" altLang="en-US" sz="1000" dirty="0" smtClean="0">
+                <a:solidFill>
+                  <a:schemeClr val="accent6">
+                    <a:lumMod val="50000"/>
+                  </a:schemeClr>
+                </a:solidFill>
+              </a:rPr>
+              <a:t>특징 </a:t>
+            </a:r>
+            <a:r>
+              <a:rPr lang="en-US" altLang="ko-KR" sz="1000" dirty="0" smtClean="0">
+                <a:solidFill>
+                  <a:schemeClr val="accent6">
+                    <a:lumMod val="50000"/>
+                  </a:schemeClr>
+                </a:solidFill>
+              </a:rPr>
+              <a:t>:</a:t>
+            </a:r>
+          </a:p>
+          <a:p>
+            <a:r>
+              <a:rPr lang="en-US" altLang="ko-KR" sz="1000" dirty="0" smtClean="0">
+                <a:solidFill>
+                  <a:schemeClr val="accent6">
+                    <a:lumMod val="50000"/>
+                  </a:schemeClr>
+                </a:solidFill>
+              </a:rPr>
+              <a:t>1)</a:t>
+            </a:r>
+            <a:r>
+              <a:rPr lang="ko-KR" altLang="en-US" sz="1000" dirty="0" smtClean="0">
+                <a:solidFill>
+                  <a:schemeClr val="accent6">
+                    <a:lumMod val="50000"/>
+                  </a:schemeClr>
+                </a:solidFill>
+              </a:rPr>
+              <a:t> 창고관리 </a:t>
+            </a:r>
+            <a:r>
+              <a:rPr lang="ko-KR" altLang="en-US" sz="1000" dirty="0">
+                <a:solidFill>
+                  <a:schemeClr val="accent6">
+                    <a:lumMod val="50000"/>
+                  </a:schemeClr>
+                </a:solidFill>
+              </a:rPr>
+              <a:t>시스템</a:t>
+            </a:r>
+            <a:r>
+              <a:rPr lang="en-US" altLang="ko-KR" sz="1000" dirty="0">
+                <a:solidFill>
+                  <a:schemeClr val="accent6">
+                    <a:lumMod val="50000"/>
+                  </a:schemeClr>
+                </a:solidFill>
+              </a:rPr>
+              <a:t>(WMS</a:t>
+            </a:r>
+            <a:r>
+              <a:rPr lang="en-US" altLang="ko-KR" sz="1000" dirty="0" smtClean="0">
+                <a:solidFill>
+                  <a:schemeClr val="accent6">
+                    <a:lumMod val="50000"/>
+                  </a:schemeClr>
+                </a:solidFill>
+              </a:rPr>
+              <a:t>)</a:t>
+            </a:r>
+          </a:p>
+          <a:p>
+            <a:r>
+              <a:rPr lang="en-US" altLang="ko-KR" sz="1000" dirty="0">
+                <a:solidFill>
+                  <a:schemeClr val="accent6">
+                    <a:lumMod val="50000"/>
+                  </a:schemeClr>
+                </a:solidFill>
+              </a:rPr>
+              <a:t> </a:t>
+            </a:r>
+            <a:r>
+              <a:rPr lang="en-US" altLang="ko-KR" sz="1000" dirty="0" smtClean="0">
+                <a:solidFill>
+                  <a:schemeClr val="accent6">
+                    <a:lumMod val="50000"/>
+                  </a:schemeClr>
+                </a:solidFill>
+              </a:rPr>
+              <a:t>  -. </a:t>
+            </a:r>
+            <a:r>
+              <a:rPr lang="ko-KR" altLang="en-US" sz="1000" dirty="0" smtClean="0">
+                <a:solidFill>
+                  <a:schemeClr val="accent6">
+                    <a:lumMod val="50000"/>
+                  </a:schemeClr>
+                </a:solidFill>
+              </a:rPr>
+              <a:t>박스 </a:t>
+            </a:r>
+            <a:r>
+              <a:rPr lang="en-US" altLang="ko-KR" sz="1000" dirty="0">
+                <a:solidFill>
+                  <a:schemeClr val="accent6">
+                    <a:lumMod val="50000"/>
+                  </a:schemeClr>
+                </a:solidFill>
+              </a:rPr>
+              <a:t>1</a:t>
+            </a:r>
+            <a:r>
+              <a:rPr lang="ko-KR" altLang="en-US" sz="1000" dirty="0">
+                <a:solidFill>
+                  <a:schemeClr val="accent6">
+                    <a:lumMod val="50000"/>
+                  </a:schemeClr>
+                </a:solidFill>
+              </a:rPr>
+              <a:t>개 안에 여러 종류의 상품이 섞인 </a:t>
+            </a:r>
+            <a:r>
+              <a:rPr lang="en-US" altLang="ko-KR" sz="1000" dirty="0">
+                <a:solidFill>
+                  <a:schemeClr val="accent6">
+                    <a:lumMod val="50000"/>
+                  </a:schemeClr>
+                </a:solidFill>
+              </a:rPr>
+              <a:t>'</a:t>
+            </a:r>
+            <a:r>
+              <a:rPr lang="ko-KR" altLang="en-US" sz="1000" dirty="0" err="1">
+                <a:solidFill>
+                  <a:schemeClr val="accent6">
+                    <a:lumMod val="50000"/>
+                  </a:schemeClr>
+                </a:solidFill>
+              </a:rPr>
+              <a:t>합포장</a:t>
+            </a:r>
+            <a:r>
+              <a:rPr lang="en-US" altLang="ko-KR" sz="1000" dirty="0">
+                <a:solidFill>
+                  <a:schemeClr val="accent6">
+                    <a:lumMod val="50000"/>
+                  </a:schemeClr>
+                </a:solidFill>
+              </a:rPr>
+              <a:t>'</a:t>
+            </a:r>
+            <a:r>
+              <a:rPr lang="ko-KR" altLang="en-US" sz="1000" dirty="0">
+                <a:solidFill>
+                  <a:schemeClr val="accent6">
+                    <a:lumMod val="50000"/>
+                  </a:schemeClr>
+                </a:solidFill>
+              </a:rPr>
+              <a:t>까지도 </a:t>
+            </a:r>
+            <a:r>
+              <a:rPr lang="en-US" altLang="ko-KR" sz="1000" dirty="0">
+                <a:solidFill>
+                  <a:schemeClr val="accent6">
+                    <a:lumMod val="50000"/>
+                  </a:schemeClr>
+                </a:solidFill>
+              </a:rPr>
+              <a:t>2~5</a:t>
+            </a:r>
+            <a:r>
+              <a:rPr lang="ko-KR" altLang="en-US" sz="1000" dirty="0">
+                <a:solidFill>
+                  <a:schemeClr val="accent6">
+                    <a:lumMod val="50000"/>
+                  </a:schemeClr>
+                </a:solidFill>
+              </a:rPr>
+              <a:t>종</a:t>
+            </a:r>
+            <a:r>
+              <a:rPr lang="en-US" altLang="ko-KR" sz="1000" dirty="0">
+                <a:solidFill>
+                  <a:schemeClr val="accent6">
+                    <a:lumMod val="50000"/>
+                  </a:schemeClr>
+                </a:solidFill>
+              </a:rPr>
+              <a:t>, 6~10</a:t>
+            </a:r>
+            <a:r>
+              <a:rPr lang="ko-KR" altLang="en-US" sz="1000" dirty="0">
+                <a:solidFill>
+                  <a:schemeClr val="accent6">
+                    <a:lumMod val="50000"/>
+                  </a:schemeClr>
+                </a:solidFill>
+              </a:rPr>
+              <a:t>종 등 </a:t>
+            </a:r>
+            <a:endParaRPr lang="en-US" altLang="ko-KR" sz="1000" dirty="0" smtClean="0">
+              <a:solidFill>
+                <a:schemeClr val="accent6">
+                  <a:lumMod val="50000"/>
+                </a:schemeClr>
+              </a:solidFill>
+            </a:endParaRPr>
+          </a:p>
+          <a:p>
+            <a:r>
+              <a:rPr lang="en-US" altLang="ko-KR" sz="1000" dirty="0">
+                <a:solidFill>
+                  <a:schemeClr val="accent6">
+                    <a:lumMod val="50000"/>
+                  </a:schemeClr>
+                </a:solidFill>
+              </a:rPr>
+              <a:t> </a:t>
+            </a:r>
+            <a:r>
+              <a:rPr lang="en-US" altLang="ko-KR" sz="1000" dirty="0" smtClean="0">
+                <a:solidFill>
+                  <a:schemeClr val="accent6">
+                    <a:lumMod val="50000"/>
+                  </a:schemeClr>
+                </a:solidFill>
+              </a:rPr>
+              <a:t>     </a:t>
+            </a:r>
+            <a:r>
+              <a:rPr lang="ko-KR" altLang="en-US" sz="1000" dirty="0" smtClean="0">
+                <a:solidFill>
+                  <a:schemeClr val="accent6">
+                    <a:lumMod val="50000"/>
+                  </a:schemeClr>
+                </a:solidFill>
+              </a:rPr>
+              <a:t>단위 </a:t>
+            </a:r>
+            <a:r>
+              <a:rPr lang="ko-KR" altLang="en-US" sz="1000" dirty="0">
+                <a:solidFill>
+                  <a:schemeClr val="accent6">
+                    <a:lumMod val="50000"/>
+                  </a:schemeClr>
+                </a:solidFill>
+              </a:rPr>
+              <a:t>구간별로 </a:t>
+            </a:r>
+            <a:r>
+              <a:rPr lang="en-US" altLang="ko-KR" sz="1000" dirty="0">
+                <a:solidFill>
+                  <a:schemeClr val="accent6">
+                    <a:lumMod val="50000"/>
+                  </a:schemeClr>
+                </a:solidFill>
+              </a:rPr>
+              <a:t>100</a:t>
+            </a:r>
+            <a:r>
+              <a:rPr lang="ko-KR" altLang="en-US" sz="1000" dirty="0">
+                <a:solidFill>
+                  <a:schemeClr val="accent6">
+                    <a:lumMod val="50000"/>
+                  </a:schemeClr>
+                </a:solidFill>
+              </a:rPr>
+              <a:t>원</a:t>
+            </a:r>
+            <a:r>
+              <a:rPr lang="en-US" altLang="ko-KR" sz="1000" dirty="0">
+                <a:solidFill>
+                  <a:schemeClr val="accent6">
+                    <a:lumMod val="50000"/>
+                  </a:schemeClr>
+                </a:solidFill>
+              </a:rPr>
+              <a:t>, 400</a:t>
+            </a:r>
+            <a:r>
+              <a:rPr lang="ko-KR" altLang="en-US" sz="1000" dirty="0">
+                <a:solidFill>
+                  <a:schemeClr val="accent6">
+                    <a:lumMod val="50000"/>
+                  </a:schemeClr>
+                </a:solidFill>
+              </a:rPr>
+              <a:t>원 등의 원가를 </a:t>
+            </a:r>
+            <a:r>
+              <a:rPr lang="ko-KR" altLang="en-US" sz="1000" dirty="0" smtClean="0">
+                <a:solidFill>
+                  <a:schemeClr val="accent6">
+                    <a:lumMod val="50000"/>
+                  </a:schemeClr>
+                </a:solidFill>
+              </a:rPr>
+              <a:t>산정</a:t>
+            </a:r>
+            <a:endParaRPr lang="en-US" altLang="ko-KR" sz="1000" dirty="0" smtClean="0">
+              <a:solidFill>
+                <a:schemeClr val="accent6">
+                  <a:lumMod val="50000"/>
+                </a:schemeClr>
+              </a:solidFill>
+            </a:endParaRPr>
+          </a:p>
+          <a:p>
+            <a:r>
+              <a:rPr lang="en-US" altLang="ko-KR" sz="1000" dirty="0" smtClean="0">
+                <a:solidFill>
+                  <a:schemeClr val="accent6">
+                    <a:lumMod val="50000"/>
+                  </a:schemeClr>
+                </a:solidFill>
+              </a:rPr>
+              <a:t>2) </a:t>
+            </a:r>
+            <a:r>
+              <a:rPr lang="ko-KR" altLang="en-US" sz="1000" dirty="0">
+                <a:solidFill>
+                  <a:schemeClr val="accent6">
+                    <a:lumMod val="50000"/>
+                  </a:schemeClr>
+                </a:solidFill>
+              </a:rPr>
+              <a:t>택배 포장에서 재고 관리까지 단번에 해결</a:t>
+            </a:r>
+            <a:endParaRPr lang="en-US" altLang="ko-KR" sz="1000" dirty="0" smtClean="0">
+              <a:solidFill>
+                <a:schemeClr val="accent6">
+                  <a:lumMod val="50000"/>
+                </a:schemeClr>
+              </a:solidFill>
+            </a:endParaRPr>
+          </a:p>
+          <a:p>
+            <a:endParaRPr lang="en-US" altLang="ko-KR" sz="1000" dirty="0" smtClean="0">
+              <a:solidFill>
+                <a:schemeClr val="accent6">
+                  <a:lumMod val="50000"/>
+                </a:schemeClr>
+              </a:solidFill>
+            </a:endParaRPr>
+          </a:p>
+          <a:p>
+            <a:r>
+              <a:rPr lang="ko-KR" altLang="en-US" sz="1000" dirty="0" smtClean="0">
+                <a:solidFill>
+                  <a:schemeClr val="accent6">
+                    <a:lumMod val="50000"/>
+                  </a:schemeClr>
+                </a:solidFill>
+              </a:rPr>
+              <a:t>서비스 </a:t>
+            </a:r>
+            <a:r>
+              <a:rPr lang="en-US" altLang="ko-KR" sz="1000" dirty="0" smtClean="0">
+                <a:solidFill>
+                  <a:schemeClr val="accent6">
+                    <a:lumMod val="50000"/>
+                  </a:schemeClr>
+                </a:solidFill>
+              </a:rPr>
+              <a:t>: </a:t>
+            </a:r>
+          </a:p>
+          <a:p>
+            <a:r>
+              <a:rPr lang="en-US" altLang="ko-KR" sz="1000" dirty="0" smtClean="0">
+                <a:solidFill>
+                  <a:schemeClr val="accent6">
+                    <a:lumMod val="50000"/>
+                  </a:schemeClr>
+                </a:solidFill>
+              </a:rPr>
+              <a:t>1) </a:t>
+            </a:r>
+            <a:r>
+              <a:rPr lang="ko-KR" altLang="en-US" sz="1000" dirty="0" err="1" smtClean="0">
+                <a:solidFill>
+                  <a:schemeClr val="accent6">
+                    <a:lumMod val="50000"/>
+                  </a:schemeClr>
+                </a:solidFill>
+              </a:rPr>
+              <a:t>소호몰</a:t>
+            </a:r>
+            <a:r>
+              <a:rPr lang="en-US" altLang="ko-KR" sz="1000" dirty="0">
+                <a:solidFill>
+                  <a:schemeClr val="accent6">
+                    <a:lumMod val="50000"/>
+                  </a:schemeClr>
+                </a:solidFill>
+              </a:rPr>
+              <a:t>(SOHO</a:t>
+            </a:r>
+            <a:r>
+              <a:rPr lang="en-US" altLang="ko-KR" sz="1000" dirty="0" smtClean="0">
+                <a:solidFill>
+                  <a:schemeClr val="accent6">
+                    <a:lumMod val="50000"/>
+                  </a:schemeClr>
+                </a:solidFill>
+              </a:rPr>
+              <a:t>) </a:t>
+            </a:r>
+            <a:r>
+              <a:rPr lang="ko-KR" altLang="en-US" sz="1000" dirty="0" smtClean="0">
+                <a:solidFill>
+                  <a:schemeClr val="accent6">
+                    <a:lumMod val="50000"/>
+                  </a:schemeClr>
+                </a:solidFill>
+              </a:rPr>
+              <a:t>로 </a:t>
+            </a:r>
+            <a:r>
+              <a:rPr lang="ko-KR" altLang="en-US" sz="1000" dirty="0">
+                <a:solidFill>
+                  <a:schemeClr val="accent6">
+                    <a:lumMod val="50000"/>
+                  </a:schemeClr>
+                </a:solidFill>
+              </a:rPr>
+              <a:t>불리는 중소 온라인 유통사업자를 위해 </a:t>
+            </a:r>
+            <a:r>
+              <a:rPr lang="ko-KR" altLang="en-US" sz="1000" dirty="0" smtClean="0">
+                <a:solidFill>
+                  <a:schemeClr val="accent6">
+                    <a:lumMod val="50000"/>
+                  </a:schemeClr>
+                </a:solidFill>
+              </a:rPr>
+              <a:t>물류를 </a:t>
+            </a:r>
+            <a:r>
+              <a:rPr lang="ko-KR" altLang="en-US" sz="1000" dirty="0">
+                <a:solidFill>
+                  <a:schemeClr val="accent6">
+                    <a:lumMod val="50000"/>
+                  </a:schemeClr>
+                </a:solidFill>
+              </a:rPr>
+              <a:t>대행해주는 </a:t>
+            </a:r>
+            <a:r>
+              <a:rPr lang="ko-KR" altLang="en-US" sz="1000" dirty="0" smtClean="0">
+                <a:solidFill>
+                  <a:schemeClr val="accent6">
+                    <a:lumMod val="50000"/>
+                  </a:schemeClr>
+                </a:solidFill>
+              </a:rPr>
+              <a:t>서비스</a:t>
+            </a:r>
+            <a:endParaRPr lang="en-US" altLang="ko-KR" sz="1000" dirty="0" smtClean="0">
+              <a:solidFill>
+                <a:schemeClr val="accent6">
+                  <a:lumMod val="50000"/>
+                </a:schemeClr>
+              </a:solidFill>
+            </a:endParaRPr>
+          </a:p>
+          <a:p>
+            <a:r>
+              <a:rPr lang="en-US" altLang="ko-KR" sz="1000" dirty="0" smtClean="0">
+                <a:solidFill>
+                  <a:schemeClr val="accent6">
+                    <a:lumMod val="50000"/>
+                  </a:schemeClr>
+                </a:solidFill>
+              </a:rPr>
+              <a:t>2) </a:t>
+            </a:r>
+            <a:r>
+              <a:rPr lang="ko-KR" altLang="en-US" sz="1000" dirty="0" err="1" smtClean="0">
+                <a:solidFill>
+                  <a:schemeClr val="accent6">
+                    <a:lumMod val="50000"/>
+                  </a:schemeClr>
+                </a:solidFill>
+              </a:rPr>
+              <a:t>소호몰과</a:t>
+            </a:r>
+            <a:r>
+              <a:rPr lang="ko-KR" altLang="en-US" sz="1000" dirty="0" smtClean="0">
+                <a:solidFill>
+                  <a:schemeClr val="accent6">
+                    <a:lumMod val="50000"/>
+                  </a:schemeClr>
+                </a:solidFill>
+              </a:rPr>
+              <a:t> </a:t>
+            </a:r>
+            <a:r>
+              <a:rPr lang="ko-KR" altLang="en-US" sz="1000" dirty="0">
+                <a:solidFill>
+                  <a:schemeClr val="accent6">
+                    <a:lumMod val="50000"/>
+                  </a:schemeClr>
+                </a:solidFill>
+              </a:rPr>
+              <a:t>기존의 물류창고를 연결시키는 </a:t>
+            </a:r>
+            <a:r>
+              <a:rPr lang="ko-KR" altLang="en-US" sz="1000" dirty="0" err="1">
+                <a:solidFill>
+                  <a:schemeClr val="accent6">
+                    <a:lumMod val="50000"/>
+                  </a:schemeClr>
+                </a:solidFill>
+              </a:rPr>
+              <a:t>클라우드</a:t>
+            </a:r>
+            <a:r>
+              <a:rPr lang="ko-KR" altLang="en-US" sz="1000" dirty="0">
+                <a:solidFill>
+                  <a:schemeClr val="accent6">
+                    <a:lumMod val="50000"/>
+                  </a:schemeClr>
+                </a:solidFill>
+              </a:rPr>
+              <a:t> 플랫폼 </a:t>
+            </a:r>
+            <a:r>
+              <a:rPr lang="ko-KR" altLang="en-US" sz="1000" dirty="0" smtClean="0">
+                <a:solidFill>
+                  <a:schemeClr val="accent6">
+                    <a:lumMod val="50000"/>
+                  </a:schemeClr>
+                </a:solidFill>
+              </a:rPr>
+              <a:t>서비스</a:t>
+            </a:r>
+            <a:r>
+              <a:rPr lang="ko-KR" altLang="en-US" sz="1000" dirty="0">
+                <a:solidFill>
+                  <a:schemeClr val="accent6">
+                    <a:lumMod val="50000"/>
+                  </a:schemeClr>
+                </a:solidFill>
+              </a:rPr>
+              <a:t/>
+            </a:r>
+            <a:br>
+              <a:rPr lang="ko-KR" altLang="en-US" sz="1000" dirty="0">
+                <a:solidFill>
+                  <a:schemeClr val="accent6">
+                    <a:lumMod val="50000"/>
+                  </a:schemeClr>
+                </a:solidFill>
+              </a:rPr>
+            </a:br>
+            <a:r>
+              <a:rPr lang="en-US" altLang="ko-KR" sz="1000" dirty="0" smtClean="0">
+                <a:solidFill>
+                  <a:schemeClr val="accent6">
+                    <a:lumMod val="50000"/>
+                  </a:schemeClr>
+                </a:solidFill>
+              </a:rPr>
+              <a:t>3) 1</a:t>
+            </a:r>
+            <a:r>
+              <a:rPr lang="ko-KR" altLang="en-US" sz="1000" dirty="0">
+                <a:solidFill>
+                  <a:schemeClr val="accent6">
+                    <a:lumMod val="50000"/>
+                  </a:schemeClr>
+                </a:solidFill>
+              </a:rPr>
+              <a:t>인 사업자가 많은 </a:t>
+            </a:r>
+            <a:r>
+              <a:rPr lang="ko-KR" altLang="en-US" sz="1000" dirty="0" err="1">
+                <a:solidFill>
+                  <a:schemeClr val="accent6">
+                    <a:lumMod val="50000"/>
+                  </a:schemeClr>
+                </a:solidFill>
+              </a:rPr>
+              <a:t>소호몰이</a:t>
+            </a:r>
+            <a:r>
+              <a:rPr lang="ko-KR" altLang="en-US" sz="1000" dirty="0">
+                <a:solidFill>
+                  <a:schemeClr val="accent6">
+                    <a:lumMod val="50000"/>
+                  </a:schemeClr>
+                </a:solidFill>
+              </a:rPr>
+              <a:t> 부담을 느끼는 상품 포장과 보관 </a:t>
+            </a:r>
+            <a:r>
+              <a:rPr lang="ko-KR" altLang="en-US" sz="1000" dirty="0" smtClean="0">
+                <a:solidFill>
+                  <a:schemeClr val="accent6">
+                    <a:lumMod val="50000"/>
+                  </a:schemeClr>
+                </a:solidFill>
+              </a:rPr>
+              <a:t>업무 대행</a:t>
+            </a:r>
+            <a:endParaRPr lang="en-US" altLang="ko-KR" sz="1000" dirty="0" smtClean="0">
+              <a:solidFill>
+                <a:schemeClr val="accent6">
+                  <a:lumMod val="50000"/>
+                </a:schemeClr>
+              </a:solidFill>
+            </a:endParaRPr>
+          </a:p>
+          <a:p>
+            <a:endParaRPr lang="en-US" altLang="ko-KR" sz="1000" dirty="0" smtClean="0">
+              <a:solidFill>
+                <a:schemeClr val="accent6">
+                  <a:lumMod val="50000"/>
+                </a:schemeClr>
+              </a:solidFill>
+            </a:endParaRPr>
+          </a:p>
+          <a:p>
+            <a:r>
+              <a:rPr lang="ko-KR" altLang="en-US" sz="1000" dirty="0" smtClean="0">
+                <a:solidFill>
+                  <a:srgbClr val="FF3131"/>
+                </a:solidFill>
+              </a:rPr>
+              <a:t>가격 </a:t>
+            </a:r>
+            <a:r>
+              <a:rPr lang="en-US" altLang="ko-KR" sz="1000" dirty="0" smtClean="0">
+                <a:solidFill>
+                  <a:srgbClr val="FF3131"/>
+                </a:solidFill>
+              </a:rPr>
+              <a:t>: </a:t>
+            </a:r>
+            <a:r>
+              <a:rPr lang="ko-KR" altLang="en-US" sz="1000" dirty="0" smtClean="0">
+                <a:solidFill>
+                  <a:srgbClr val="FF3131"/>
+                </a:solidFill>
+              </a:rPr>
+              <a:t>보관료 </a:t>
+            </a:r>
+            <a:r>
+              <a:rPr lang="en-US" altLang="ko-KR" sz="1000" dirty="0" smtClean="0">
+                <a:solidFill>
+                  <a:srgbClr val="FF3131"/>
+                </a:solidFill>
+              </a:rPr>
+              <a:t>- </a:t>
+            </a:r>
+            <a:r>
+              <a:rPr lang="ko-KR" altLang="en-US" sz="1000" dirty="0" smtClean="0">
+                <a:solidFill>
+                  <a:srgbClr val="FF3131"/>
+                </a:solidFill>
+              </a:rPr>
+              <a:t>박스 </a:t>
+            </a:r>
+            <a:r>
+              <a:rPr lang="en-US" altLang="ko-KR" sz="1000" dirty="0">
+                <a:solidFill>
+                  <a:srgbClr val="FF3131"/>
+                </a:solidFill>
+              </a:rPr>
+              <a:t>1</a:t>
+            </a:r>
+            <a:r>
+              <a:rPr lang="ko-KR" altLang="en-US" sz="1000" dirty="0">
+                <a:solidFill>
+                  <a:srgbClr val="FF3131"/>
+                </a:solidFill>
+              </a:rPr>
+              <a:t>개 단위로 </a:t>
+            </a:r>
+            <a:r>
+              <a:rPr lang="en-US" altLang="ko-KR" sz="1000" dirty="0">
+                <a:solidFill>
+                  <a:srgbClr val="FF3131"/>
+                </a:solidFill>
+              </a:rPr>
+              <a:t>990</a:t>
+            </a:r>
+            <a:r>
+              <a:rPr lang="ko-KR" altLang="en-US" sz="1000" dirty="0" smtClean="0">
+                <a:solidFill>
+                  <a:srgbClr val="FF3131"/>
+                </a:solidFill>
+              </a:rPr>
+              <a:t>원 </a:t>
+            </a:r>
+            <a:r>
+              <a:rPr lang="en-US" altLang="ko-KR" sz="1000" dirty="0" smtClean="0">
+                <a:solidFill>
+                  <a:srgbClr val="FF3131"/>
+                </a:solidFill>
+              </a:rPr>
+              <a:t>(</a:t>
+            </a:r>
+            <a:r>
+              <a:rPr lang="ko-KR" altLang="en-US" sz="1000" dirty="0" smtClean="0">
+                <a:solidFill>
+                  <a:srgbClr val="FF3131"/>
+                </a:solidFill>
+              </a:rPr>
+              <a:t>배송업무 </a:t>
+            </a:r>
+            <a:r>
+              <a:rPr lang="en-US" altLang="ko-KR" sz="1000" dirty="0" smtClean="0">
+                <a:solidFill>
+                  <a:srgbClr val="FF3131"/>
+                </a:solidFill>
+              </a:rPr>
+              <a:t>- </a:t>
+            </a:r>
+            <a:r>
+              <a:rPr lang="ko-KR" altLang="en-US" sz="1000" dirty="0" smtClean="0">
+                <a:solidFill>
+                  <a:srgbClr val="FF3131"/>
+                </a:solidFill>
+              </a:rPr>
+              <a:t>택배비용 </a:t>
+            </a:r>
+            <a:r>
+              <a:rPr lang="en-US" altLang="ko-KR" sz="1000" dirty="0" smtClean="0">
+                <a:solidFill>
+                  <a:srgbClr val="FF3131"/>
+                </a:solidFill>
+              </a:rPr>
+              <a:t>2,500</a:t>
+            </a:r>
+            <a:r>
+              <a:rPr lang="ko-KR" altLang="en-US" sz="1000" dirty="0" smtClean="0">
+                <a:solidFill>
+                  <a:srgbClr val="FF3131"/>
+                </a:solidFill>
+              </a:rPr>
+              <a:t>원 별도</a:t>
+            </a:r>
+            <a:r>
+              <a:rPr lang="en-US" altLang="ko-KR" sz="1000" dirty="0" smtClean="0">
+                <a:solidFill>
+                  <a:srgbClr val="FF3131"/>
+                </a:solidFill>
+              </a:rPr>
+              <a:t>)</a:t>
+            </a:r>
+          </a:p>
+          <a:p>
+            <a:endParaRPr lang="en-US" altLang="ko-KR" sz="1000" dirty="0" smtClean="0">
+              <a:solidFill>
+                <a:schemeClr val="accent6">
+                  <a:lumMod val="50000"/>
+                </a:schemeClr>
+              </a:solidFill>
+            </a:endParaRPr>
+          </a:p>
+          <a:p>
+            <a:r>
+              <a:rPr lang="ko-KR" altLang="en-US" sz="1000" dirty="0" smtClean="0">
+                <a:solidFill>
+                  <a:schemeClr val="accent6">
+                    <a:lumMod val="50000"/>
+                  </a:schemeClr>
+                </a:solidFill>
+              </a:rPr>
+              <a:t>시스템 </a:t>
+            </a:r>
+            <a:r>
+              <a:rPr lang="en-US" altLang="ko-KR" sz="1000" dirty="0" smtClean="0">
+                <a:solidFill>
+                  <a:schemeClr val="accent6">
+                    <a:lumMod val="50000"/>
+                  </a:schemeClr>
+                </a:solidFill>
+              </a:rPr>
+              <a:t>: </a:t>
+            </a:r>
+            <a:r>
+              <a:rPr lang="ko-KR" altLang="en-US" sz="1000" dirty="0" smtClean="0">
+                <a:solidFill>
+                  <a:schemeClr val="accent6">
+                    <a:lumMod val="50000"/>
+                  </a:schemeClr>
+                </a:solidFill>
+              </a:rPr>
+              <a:t>창고관리 </a:t>
+            </a:r>
+            <a:r>
+              <a:rPr lang="ko-KR" altLang="en-US" sz="1000" dirty="0">
+                <a:solidFill>
+                  <a:schemeClr val="accent6">
+                    <a:lumMod val="50000"/>
+                  </a:schemeClr>
+                </a:solidFill>
+              </a:rPr>
+              <a:t>소프트웨어</a:t>
+            </a:r>
+            <a:r>
+              <a:rPr lang="en-US" altLang="ko-KR" sz="1000" dirty="0">
+                <a:solidFill>
+                  <a:schemeClr val="accent6">
+                    <a:lumMod val="50000"/>
+                  </a:schemeClr>
+                </a:solidFill>
+              </a:rPr>
+              <a:t>(SW) '</a:t>
+            </a:r>
+            <a:r>
+              <a:rPr lang="ko-KR" altLang="en-US" sz="1000" dirty="0" err="1">
+                <a:solidFill>
+                  <a:schemeClr val="accent6">
+                    <a:lumMod val="50000"/>
+                  </a:schemeClr>
+                </a:solidFill>
+              </a:rPr>
+              <a:t>마이창고</a:t>
+            </a:r>
+            <a:r>
+              <a:rPr lang="ko-KR" altLang="en-US" sz="1000" dirty="0">
+                <a:solidFill>
+                  <a:schemeClr val="accent6">
+                    <a:lumMod val="50000"/>
+                  </a:schemeClr>
+                </a:solidFill>
+              </a:rPr>
+              <a:t> </a:t>
+            </a:r>
+            <a:r>
+              <a:rPr lang="en-US" altLang="ko-KR" sz="1000" dirty="0" smtClean="0">
+                <a:solidFill>
+                  <a:schemeClr val="accent6">
+                    <a:lumMod val="50000"/>
+                  </a:schemeClr>
+                </a:solidFill>
+              </a:rPr>
+              <a:t>1.0‘</a:t>
+            </a:r>
+          </a:p>
+          <a:p>
+            <a:r>
+              <a:rPr lang="ko-KR" altLang="en-US" sz="1000" dirty="0" smtClean="0">
+                <a:solidFill>
+                  <a:schemeClr val="accent6">
+                    <a:lumMod val="50000"/>
+                  </a:schemeClr>
+                </a:solidFill>
+              </a:rPr>
+              <a:t>서비스 시작 </a:t>
+            </a:r>
+            <a:r>
+              <a:rPr lang="en-US" altLang="ko-KR" sz="1000" dirty="0" smtClean="0">
+                <a:solidFill>
+                  <a:schemeClr val="accent6">
+                    <a:lumMod val="50000"/>
+                  </a:schemeClr>
+                </a:solidFill>
+              </a:rPr>
+              <a:t>: </a:t>
+            </a:r>
+            <a:r>
+              <a:rPr lang="ko-KR" altLang="en-US" sz="1000" dirty="0" smtClean="0">
+                <a:solidFill>
+                  <a:schemeClr val="accent6">
+                    <a:lumMod val="50000"/>
+                  </a:schemeClr>
+                </a:solidFill>
+              </a:rPr>
+              <a:t>지난해 </a:t>
+            </a:r>
+            <a:r>
+              <a:rPr lang="en-US" altLang="ko-KR" sz="1000" dirty="0">
+                <a:solidFill>
+                  <a:schemeClr val="accent6">
+                    <a:lumMod val="50000"/>
+                  </a:schemeClr>
+                </a:solidFill>
+              </a:rPr>
+              <a:t>12</a:t>
+            </a:r>
+            <a:r>
+              <a:rPr lang="ko-KR" altLang="en-US" sz="1000" dirty="0">
+                <a:solidFill>
+                  <a:schemeClr val="accent6">
+                    <a:lumMod val="50000"/>
+                  </a:schemeClr>
+                </a:solidFill>
+              </a:rPr>
+              <a:t>월 </a:t>
+            </a:r>
+            <a:r>
+              <a:rPr lang="ko-KR" altLang="en-US" sz="1000" dirty="0" smtClean="0">
+                <a:solidFill>
+                  <a:schemeClr val="accent6">
+                    <a:lumMod val="50000"/>
+                  </a:schemeClr>
+                </a:solidFill>
+              </a:rPr>
+              <a:t>중순</a:t>
+            </a:r>
+            <a:endParaRPr lang="en-US" altLang="ko-KR" sz="1000" dirty="0" smtClean="0">
+              <a:solidFill>
+                <a:schemeClr val="accent6">
+                  <a:lumMod val="50000"/>
+                </a:schemeClr>
+              </a:solidFill>
+            </a:endParaRPr>
+          </a:p>
+          <a:p>
+            <a:r>
+              <a:rPr lang="ko-KR" altLang="en-US" sz="1000" dirty="0" smtClean="0">
+                <a:solidFill>
+                  <a:schemeClr val="accent6">
+                    <a:lumMod val="50000"/>
+                  </a:schemeClr>
+                </a:solidFill>
+              </a:rPr>
+              <a:t>데이터 처리 </a:t>
+            </a:r>
+            <a:r>
+              <a:rPr lang="en-US" altLang="ko-KR" sz="1000" dirty="0" smtClean="0">
+                <a:solidFill>
+                  <a:schemeClr val="accent6">
+                    <a:lumMod val="50000"/>
+                  </a:schemeClr>
+                </a:solidFill>
+              </a:rPr>
+              <a:t>: </a:t>
+            </a:r>
+            <a:r>
+              <a:rPr lang="ko-KR" altLang="en-US" sz="1000" dirty="0" smtClean="0">
+                <a:solidFill>
+                  <a:schemeClr val="accent6">
+                    <a:lumMod val="50000"/>
+                  </a:schemeClr>
+                </a:solidFill>
+              </a:rPr>
+              <a:t>지금까지 </a:t>
+            </a:r>
+            <a:r>
+              <a:rPr lang="en-US" altLang="ko-KR" sz="1000" dirty="0" smtClean="0">
+                <a:solidFill>
+                  <a:schemeClr val="accent6">
+                    <a:lumMod val="50000"/>
+                  </a:schemeClr>
+                </a:solidFill>
+              </a:rPr>
+              <a:t>5</a:t>
+            </a:r>
+            <a:r>
+              <a:rPr lang="ko-KR" altLang="en-US" sz="1000" dirty="0">
+                <a:solidFill>
+                  <a:schemeClr val="accent6">
+                    <a:lumMod val="50000"/>
+                  </a:schemeClr>
+                </a:solidFill>
+              </a:rPr>
+              <a:t>만개가 넘는 박스를 </a:t>
+            </a:r>
+            <a:r>
+              <a:rPr lang="ko-KR" altLang="en-US" sz="1000" dirty="0" smtClean="0">
+                <a:solidFill>
+                  <a:schemeClr val="accent6">
+                    <a:lumMod val="50000"/>
+                  </a:schemeClr>
+                </a:solidFill>
+              </a:rPr>
+              <a:t>처리</a:t>
+            </a:r>
+            <a:endParaRPr lang="en-US" altLang="ko-KR" sz="1000" dirty="0" smtClean="0">
+              <a:solidFill>
+                <a:schemeClr val="accent6">
+                  <a:lumMod val="50000"/>
+                </a:schemeClr>
+              </a:solidFill>
+            </a:endParaRPr>
+          </a:p>
+          <a:p>
+            <a:r>
+              <a:rPr lang="ko-KR" altLang="en-US" sz="1000" dirty="0" smtClean="0">
+                <a:solidFill>
+                  <a:schemeClr val="accent6">
+                    <a:lumMod val="50000"/>
+                  </a:schemeClr>
+                </a:solidFill>
+              </a:rPr>
+              <a:t>거래처 현황 </a:t>
+            </a:r>
+            <a:r>
+              <a:rPr lang="en-US" altLang="ko-KR" sz="1000" dirty="0" smtClean="0">
+                <a:solidFill>
+                  <a:schemeClr val="accent6">
+                    <a:lumMod val="50000"/>
+                  </a:schemeClr>
+                </a:solidFill>
+              </a:rPr>
+              <a:t>: </a:t>
+            </a:r>
+            <a:r>
+              <a:rPr lang="ko-KR" altLang="en-US" sz="1000" dirty="0" smtClean="0">
+                <a:solidFill>
+                  <a:schemeClr val="accent6">
+                    <a:lumMod val="50000"/>
+                  </a:schemeClr>
+                </a:solidFill>
+              </a:rPr>
+              <a:t>상품은 </a:t>
+            </a:r>
+            <a:r>
+              <a:rPr lang="en-US" altLang="ko-KR" sz="1000" dirty="0">
+                <a:solidFill>
+                  <a:schemeClr val="accent6">
+                    <a:lumMod val="50000"/>
+                  </a:schemeClr>
+                </a:solidFill>
+              </a:rPr>
+              <a:t>22</a:t>
+            </a:r>
+            <a:r>
+              <a:rPr lang="ko-KR" altLang="en-US" sz="1000" dirty="0">
+                <a:solidFill>
+                  <a:schemeClr val="accent6">
+                    <a:lumMod val="50000"/>
+                  </a:schemeClr>
+                </a:solidFill>
+              </a:rPr>
+              <a:t>만개</a:t>
+            </a:r>
+            <a:r>
+              <a:rPr lang="en-US" altLang="ko-KR" sz="1000" dirty="0">
+                <a:solidFill>
+                  <a:schemeClr val="accent6">
+                    <a:lumMod val="50000"/>
+                  </a:schemeClr>
+                </a:solidFill>
+              </a:rPr>
+              <a:t>, </a:t>
+            </a:r>
+            <a:r>
+              <a:rPr lang="ko-KR" altLang="en-US" sz="1000" dirty="0">
+                <a:solidFill>
+                  <a:schemeClr val="accent6">
+                    <a:lumMod val="50000"/>
+                  </a:schemeClr>
+                </a:solidFill>
+              </a:rPr>
+              <a:t>거래처는 </a:t>
+            </a:r>
+            <a:r>
+              <a:rPr lang="en-US" altLang="ko-KR" sz="1000" dirty="0">
+                <a:solidFill>
+                  <a:schemeClr val="accent6">
+                    <a:lumMod val="50000"/>
+                  </a:schemeClr>
+                </a:solidFill>
+              </a:rPr>
+              <a:t>27</a:t>
+            </a:r>
+            <a:r>
+              <a:rPr lang="ko-KR" altLang="en-US" sz="1000" dirty="0" smtClean="0">
+                <a:solidFill>
+                  <a:schemeClr val="accent6">
+                    <a:lumMod val="50000"/>
+                  </a:schemeClr>
+                </a:solidFill>
+              </a:rPr>
+              <a:t>곳</a:t>
+            </a:r>
+            <a:endParaRPr lang="en-US" altLang="ko-KR" sz="1000" dirty="0" smtClean="0">
+              <a:solidFill>
+                <a:schemeClr val="accent6">
+                  <a:lumMod val="50000"/>
+                </a:schemeClr>
+              </a:solidFill>
+            </a:endParaRPr>
+          </a:p>
+          <a:p>
+            <a:endParaRPr lang="en-US" altLang="ko-KR" sz="1000" dirty="0">
+              <a:solidFill>
+                <a:schemeClr val="accent6">
+                  <a:lumMod val="50000"/>
+                </a:schemeClr>
+              </a:solidFill>
+            </a:endParaRPr>
+          </a:p>
+          <a:p>
+            <a:r>
+              <a:rPr lang="ko-KR" altLang="en-US" sz="1000" dirty="0" smtClean="0">
+                <a:solidFill>
+                  <a:schemeClr val="accent6">
+                    <a:lumMod val="50000"/>
+                  </a:schemeClr>
+                </a:solidFill>
+              </a:rPr>
+              <a:t>목표 </a:t>
+            </a:r>
+            <a:r>
+              <a:rPr lang="en-US" altLang="ko-KR" sz="1000" dirty="0" smtClean="0">
+                <a:solidFill>
+                  <a:schemeClr val="accent6">
+                    <a:lumMod val="50000"/>
+                  </a:schemeClr>
+                </a:solidFill>
+              </a:rPr>
+              <a:t>: </a:t>
+            </a:r>
+            <a:r>
+              <a:rPr lang="ko-KR" altLang="en-US" sz="1000" dirty="0" smtClean="0">
+                <a:solidFill>
+                  <a:schemeClr val="accent6">
+                    <a:lumMod val="50000"/>
+                  </a:schemeClr>
+                </a:solidFill>
+              </a:rPr>
+              <a:t>올해 </a:t>
+            </a:r>
+            <a:r>
+              <a:rPr lang="ko-KR" altLang="en-US" sz="1000" dirty="0">
+                <a:solidFill>
+                  <a:schemeClr val="accent6">
+                    <a:lumMod val="50000"/>
+                  </a:schemeClr>
+                </a:solidFill>
+              </a:rPr>
+              <a:t>약 </a:t>
+            </a:r>
+            <a:r>
+              <a:rPr lang="en-US" altLang="ko-KR" sz="1000" dirty="0">
+                <a:solidFill>
+                  <a:schemeClr val="accent6">
+                    <a:lumMod val="50000"/>
+                  </a:schemeClr>
+                </a:solidFill>
+              </a:rPr>
+              <a:t>40</a:t>
+            </a:r>
+            <a:r>
+              <a:rPr lang="ko-KR" altLang="en-US" sz="1000" dirty="0" smtClean="0">
+                <a:solidFill>
+                  <a:schemeClr val="accent6">
+                    <a:lumMod val="50000"/>
+                  </a:schemeClr>
+                </a:solidFill>
+              </a:rPr>
+              <a:t>만개</a:t>
+            </a:r>
+            <a:r>
+              <a:rPr lang="ko-KR" altLang="en-US" sz="1000" dirty="0">
+                <a:solidFill>
+                  <a:schemeClr val="accent6">
+                    <a:lumMod val="50000"/>
+                  </a:schemeClr>
+                </a:solidFill>
+              </a:rPr>
+              <a:t/>
+            </a:r>
+            <a:br>
+              <a:rPr lang="ko-KR" altLang="en-US" sz="1000" dirty="0">
+                <a:solidFill>
+                  <a:schemeClr val="accent6">
+                    <a:lumMod val="50000"/>
+                  </a:schemeClr>
+                </a:solidFill>
+              </a:rPr>
+            </a:br>
+            <a:r>
+              <a:rPr lang="ko-KR" altLang="en-US" sz="1000" dirty="0">
+                <a:solidFill>
+                  <a:schemeClr val="accent6">
+                    <a:lumMod val="50000"/>
+                  </a:schemeClr>
+                </a:solidFill>
+              </a:rPr>
+              <a:t/>
+            </a:r>
+            <a:br>
+              <a:rPr lang="ko-KR" altLang="en-US" sz="1000" dirty="0">
+                <a:solidFill>
+                  <a:schemeClr val="accent6">
+                    <a:lumMod val="50000"/>
+                  </a:schemeClr>
+                </a:solidFill>
+              </a:rPr>
+            </a:br>
+            <a:r>
+              <a:rPr lang="ko-KR" altLang="en-US" sz="1000" dirty="0" smtClean="0">
+                <a:solidFill>
+                  <a:schemeClr val="accent6">
+                    <a:lumMod val="50000"/>
+                  </a:schemeClr>
+                </a:solidFill>
+              </a:rPr>
+              <a:t>실적 </a:t>
+            </a:r>
+            <a:r>
+              <a:rPr lang="en-US" altLang="ko-KR" sz="1000" dirty="0" smtClean="0">
+                <a:solidFill>
+                  <a:schemeClr val="accent6">
+                    <a:lumMod val="50000"/>
+                  </a:schemeClr>
+                </a:solidFill>
+              </a:rPr>
+              <a:t>: </a:t>
+            </a:r>
+          </a:p>
+          <a:p>
+            <a:r>
+              <a:rPr lang="ko-KR" altLang="en-US" sz="1000" dirty="0" smtClean="0">
+                <a:solidFill>
+                  <a:schemeClr val="accent6">
+                    <a:lumMod val="50000"/>
+                  </a:schemeClr>
+                </a:solidFill>
+              </a:rPr>
+              <a:t>현재 </a:t>
+            </a:r>
+            <a:r>
+              <a:rPr lang="ko-KR" altLang="en-US" sz="1000" dirty="0">
+                <a:solidFill>
+                  <a:schemeClr val="accent6">
+                    <a:lumMod val="50000"/>
+                  </a:schemeClr>
+                </a:solidFill>
+              </a:rPr>
+              <a:t>수도권 일대 창고 </a:t>
+            </a:r>
+            <a:r>
+              <a:rPr lang="en-US" altLang="ko-KR" sz="1000" dirty="0">
+                <a:solidFill>
+                  <a:schemeClr val="accent6">
+                    <a:lumMod val="50000"/>
+                  </a:schemeClr>
+                </a:solidFill>
+              </a:rPr>
+              <a:t>4~5</a:t>
+            </a:r>
+            <a:r>
+              <a:rPr lang="ko-KR" altLang="en-US" sz="1000" dirty="0">
+                <a:solidFill>
+                  <a:schemeClr val="accent6">
+                    <a:lumMod val="50000"/>
+                  </a:schemeClr>
+                </a:solidFill>
+              </a:rPr>
+              <a:t>곳과 계약을 맺고 월평균 </a:t>
+            </a:r>
+            <a:r>
+              <a:rPr lang="en-US" altLang="ko-KR" sz="1000" dirty="0">
+                <a:solidFill>
+                  <a:schemeClr val="accent6">
+                    <a:lumMod val="50000"/>
+                  </a:schemeClr>
+                </a:solidFill>
+              </a:rPr>
+              <a:t>2</a:t>
+            </a:r>
+            <a:r>
+              <a:rPr lang="ko-KR" altLang="en-US" sz="1000" dirty="0">
+                <a:solidFill>
+                  <a:schemeClr val="accent6">
+                    <a:lumMod val="50000"/>
+                  </a:schemeClr>
+                </a:solidFill>
+              </a:rPr>
+              <a:t>만개의 박스를 대행 </a:t>
+            </a:r>
+            <a:r>
+              <a:rPr lang="ko-KR" altLang="en-US" sz="1000" dirty="0" smtClean="0">
+                <a:solidFill>
+                  <a:schemeClr val="accent6">
+                    <a:lumMod val="50000"/>
+                  </a:schemeClr>
+                </a:solidFill>
+              </a:rPr>
+              <a:t>서비스</a:t>
+            </a:r>
+            <a:endParaRPr lang="en-US" altLang="ko-KR" sz="1000" dirty="0" smtClean="0">
+              <a:solidFill>
+                <a:schemeClr val="accent6">
+                  <a:lumMod val="50000"/>
+                </a:schemeClr>
+              </a:solidFill>
+            </a:endParaRPr>
+          </a:p>
+          <a:p>
+            <a:endParaRPr lang="en-US" altLang="ko-KR" sz="1000" dirty="0" smtClean="0">
+              <a:solidFill>
+                <a:schemeClr val="accent6">
+                  <a:lumMod val="50000"/>
+                </a:schemeClr>
+              </a:solidFill>
+            </a:endParaRPr>
+          </a:p>
+          <a:p>
+            <a:r>
+              <a:rPr lang="ko-KR" altLang="en-US" sz="1000" dirty="0" smtClean="0">
+                <a:solidFill>
+                  <a:schemeClr val="accent6">
+                    <a:lumMod val="50000"/>
+                  </a:schemeClr>
+                </a:solidFill>
+              </a:rPr>
+              <a:t>투자자 </a:t>
+            </a:r>
+            <a:r>
+              <a:rPr lang="en-US" altLang="ko-KR" sz="1000" dirty="0" smtClean="0">
+                <a:solidFill>
+                  <a:schemeClr val="accent6">
+                    <a:lumMod val="50000"/>
+                  </a:schemeClr>
+                </a:solidFill>
+              </a:rPr>
+              <a:t>: </a:t>
+            </a:r>
+          </a:p>
+          <a:p>
+            <a:r>
+              <a:rPr lang="ko-KR" altLang="en-US" sz="1000" dirty="0" smtClean="0">
+                <a:solidFill>
+                  <a:schemeClr val="accent6">
+                    <a:lumMod val="50000"/>
+                  </a:schemeClr>
+                </a:solidFill>
+              </a:rPr>
+              <a:t>지난달</a:t>
+            </a:r>
+            <a:r>
+              <a:rPr lang="en-US" altLang="ko-KR" sz="1000" dirty="0" smtClean="0">
+                <a:solidFill>
+                  <a:schemeClr val="accent6">
+                    <a:lumMod val="50000"/>
+                  </a:schemeClr>
+                </a:solidFill>
+              </a:rPr>
+              <a:t>(16.07)</a:t>
+            </a:r>
+            <a:r>
+              <a:rPr lang="ko-KR" altLang="en-US" sz="1000" dirty="0" smtClean="0">
+                <a:solidFill>
+                  <a:schemeClr val="accent6">
+                    <a:lumMod val="50000"/>
+                  </a:schemeClr>
+                </a:solidFill>
+              </a:rPr>
+              <a:t> </a:t>
+            </a:r>
+            <a:r>
+              <a:rPr lang="ko-KR" altLang="en-US" sz="1000" dirty="0">
+                <a:solidFill>
+                  <a:schemeClr val="accent6">
+                    <a:lumMod val="50000"/>
+                  </a:schemeClr>
+                </a:solidFill>
+              </a:rPr>
+              <a:t>국내 벤처 </a:t>
+            </a:r>
+            <a:r>
+              <a:rPr lang="en-US" altLang="ko-KR" sz="1000" dirty="0">
+                <a:solidFill>
+                  <a:schemeClr val="accent6">
+                    <a:lumMod val="50000"/>
+                  </a:schemeClr>
+                </a:solidFill>
+              </a:rPr>
+              <a:t>1</a:t>
+            </a:r>
+            <a:r>
+              <a:rPr lang="ko-KR" altLang="en-US" sz="1000" dirty="0">
+                <a:solidFill>
+                  <a:schemeClr val="accent6">
+                    <a:lumMod val="50000"/>
+                  </a:schemeClr>
+                </a:solidFill>
+              </a:rPr>
+              <a:t>세대 기업인 코스닥 </a:t>
+            </a:r>
+            <a:r>
+              <a:rPr lang="ko-KR" altLang="en-US" sz="1000" dirty="0" err="1">
+                <a:solidFill>
+                  <a:schemeClr val="accent6">
+                    <a:lumMod val="50000"/>
+                  </a:schemeClr>
+                </a:solidFill>
+              </a:rPr>
+              <a:t>상장사</a:t>
+            </a:r>
+            <a:r>
+              <a:rPr lang="ko-KR" altLang="en-US" sz="1000" dirty="0">
+                <a:solidFill>
+                  <a:schemeClr val="accent6">
+                    <a:lumMod val="50000"/>
+                  </a:schemeClr>
+                </a:solidFill>
+              </a:rPr>
+              <a:t> </a:t>
+            </a:r>
+            <a:r>
+              <a:rPr lang="ko-KR" altLang="en-US" sz="1000" dirty="0" err="1">
+                <a:solidFill>
+                  <a:schemeClr val="accent6">
+                    <a:lumMod val="50000"/>
+                  </a:schemeClr>
+                </a:solidFill>
+              </a:rPr>
+              <a:t>파수닷컴으로부터</a:t>
+            </a:r>
+            <a:r>
+              <a:rPr lang="ko-KR" altLang="en-US" sz="1000" dirty="0">
+                <a:solidFill>
+                  <a:schemeClr val="accent6">
+                    <a:lumMod val="50000"/>
+                  </a:schemeClr>
+                </a:solidFill>
+              </a:rPr>
+              <a:t> 지분 </a:t>
+            </a:r>
+            <a:r>
+              <a:rPr lang="ko-KR" altLang="en-US" sz="1000" dirty="0" smtClean="0">
+                <a:solidFill>
+                  <a:schemeClr val="accent6">
+                    <a:lumMod val="50000"/>
+                  </a:schemeClr>
+                </a:solidFill>
+              </a:rPr>
+              <a:t>투자 유치</a:t>
+            </a:r>
+            <a:endParaRPr lang="en-US" altLang="ko-KR" sz="1000" dirty="0" smtClean="0">
+              <a:solidFill>
+                <a:schemeClr val="accent6">
+                  <a:lumMod val="50000"/>
+                </a:schemeClr>
+              </a:solidFill>
+            </a:endParaRPr>
+          </a:p>
+          <a:p>
+            <a:r>
+              <a:rPr lang="en-US" altLang="ko-KR" sz="1000" dirty="0" smtClean="0">
+                <a:solidFill>
+                  <a:schemeClr val="accent6">
+                    <a:lumMod val="50000"/>
+                  </a:schemeClr>
+                </a:solidFill>
+              </a:rPr>
+              <a:t>( </a:t>
+            </a:r>
+            <a:r>
+              <a:rPr lang="ko-KR" altLang="en-US" sz="1000" dirty="0" smtClean="0">
+                <a:solidFill>
+                  <a:schemeClr val="accent6">
+                    <a:lumMod val="50000"/>
+                  </a:schemeClr>
+                </a:solidFill>
+              </a:rPr>
+              <a:t>공동 </a:t>
+            </a:r>
+            <a:r>
+              <a:rPr lang="ko-KR" altLang="en-US" sz="1000" dirty="0">
+                <a:solidFill>
+                  <a:schemeClr val="accent6">
+                    <a:lumMod val="50000"/>
+                  </a:schemeClr>
+                </a:solidFill>
+              </a:rPr>
+              <a:t>전자상거래 물류 </a:t>
+            </a:r>
+            <a:r>
+              <a:rPr lang="en-US" altLang="ko-KR" sz="1000" dirty="0">
+                <a:solidFill>
+                  <a:schemeClr val="accent6">
+                    <a:lumMod val="50000"/>
+                  </a:schemeClr>
+                </a:solidFill>
+              </a:rPr>
+              <a:t>SW</a:t>
+            </a:r>
+            <a:r>
+              <a:rPr lang="ko-KR" altLang="en-US" sz="1000" dirty="0">
+                <a:solidFill>
+                  <a:schemeClr val="accent6">
+                    <a:lumMod val="50000"/>
+                  </a:schemeClr>
+                </a:solidFill>
+              </a:rPr>
+              <a:t> </a:t>
+            </a:r>
+            <a:r>
+              <a:rPr lang="ko-KR" altLang="en-US" sz="1000" dirty="0" smtClean="0">
+                <a:solidFill>
+                  <a:schemeClr val="accent6">
+                    <a:lumMod val="50000"/>
+                  </a:schemeClr>
+                </a:solidFill>
+              </a:rPr>
+              <a:t>개발 </a:t>
+            </a:r>
+            <a:r>
+              <a:rPr lang="en-US" altLang="ko-KR" sz="1000" dirty="0" smtClean="0">
+                <a:solidFill>
+                  <a:schemeClr val="accent6">
+                    <a:lumMod val="50000"/>
+                  </a:schemeClr>
+                </a:solidFill>
+              </a:rPr>
+              <a:t>)</a:t>
+            </a:r>
+            <a:endParaRPr lang="ko-KR" altLang="en-US" sz="1000" dirty="0">
+              <a:solidFill>
+                <a:schemeClr val="accent6">
+                  <a:lumMod val="50000"/>
+                </a:schemeClr>
+              </a:solidFill>
+            </a:endParaRPr>
+          </a:p>
+        </p:txBody>
+      </p:sp>
+    </p:spTree>
+    <p:extLst>
+      <p:ext uri="{BB962C8B-B14F-4D97-AF65-F5344CB8AC3E}">
+        <p14:creationId xmlns:p14="http://schemas.microsoft.com/office/powerpoint/2010/main" val="264792172"/>
+      </p:ext>
+    </p:extLst>
+  </p:cSld>
+  <p:clrMapOvr>
+    <a:masterClrMapping/>
+  </p:clrMapOvr>
+</p:sld>
+</file>
+
 <file path=ppt/slides/slide2.xml><?xml version="1.0" encoding="utf-8"?>
 <p:sld xmlns:a="http://schemas.openxmlformats.org/drawingml/2006/main" xmlns:r="http://schemas.openxmlformats.org/officeDocument/2006/relationships" xmlns:p="http://schemas.openxmlformats.org/presentationml/2006/main">
   <p:cSld>
